--- a/docs/SuperCRUNCH_Logo2.pptx
+++ b/docs/SuperCRUNCH_Logo2.pptx
@@ -3323,10 +3323,10 @@
       </p:grpSpPr>
       <p:grpSp>
         <p:nvGrpSpPr>
-          <p:cNvPr id="51" name="Group 50">
-            <a:extLst>
-              <a:ext uri="{FF2B5EF4-FFF2-40B4-BE49-F238E27FC236}">
-                <a16:creationId xmlns:a16="http://schemas.microsoft.com/office/drawing/2014/main" id="{73DFCF46-744C-811B-C63D-1F075ECADD05}"/>
+          <p:cNvPr id="91" name="Group 90">
+            <a:extLst>
+              <a:ext uri="{FF2B5EF4-FFF2-40B4-BE49-F238E27FC236}">
+                <a16:creationId xmlns:a16="http://schemas.microsoft.com/office/drawing/2014/main" id="{79D0EA3F-1199-933F-DAF1-ED56B894D754}"/>
               </a:ext>
             </a:extLst>
           </p:cNvPr>
@@ -3335,21 +3335,2256 @@
         </p:nvGrpSpPr>
         <p:grpSpPr>
           <a:xfrm>
-            <a:off x="7431257" y="1699899"/>
-            <a:ext cx="378213" cy="1360108"/>
-            <a:chOff x="1463091" y="2364533"/>
-            <a:chExt cx="8169528" cy="1360108"/>
+            <a:off x="1946456" y="1607971"/>
+            <a:ext cx="8035445" cy="1452036"/>
+            <a:chOff x="1946456" y="1607971"/>
+            <a:chExt cx="8035445" cy="1452036"/>
           </a:xfrm>
-          <a:solidFill>
-            <a:srgbClr val="73CAAE"/>
-          </a:solidFill>
         </p:grpSpPr>
+        <p:grpSp>
+          <p:nvGrpSpPr>
+            <p:cNvPr id="51" name="Group 50">
+              <a:extLst>
+                <a:ext uri="{FF2B5EF4-FFF2-40B4-BE49-F238E27FC236}">
+                  <a16:creationId xmlns:a16="http://schemas.microsoft.com/office/drawing/2014/main" id="{73DFCF46-744C-811B-C63D-1F075ECADD05}"/>
+                </a:ext>
+              </a:extLst>
+            </p:cNvPr>
+            <p:cNvGrpSpPr/>
+            <p:nvPr/>
+          </p:nvGrpSpPr>
+          <p:grpSpPr>
+            <a:xfrm>
+              <a:off x="7431257" y="1699899"/>
+              <a:ext cx="378213" cy="1360108"/>
+              <a:chOff x="1463091" y="2364533"/>
+              <a:chExt cx="8169528" cy="1360108"/>
+            </a:xfrm>
+            <a:solidFill>
+              <a:srgbClr val="73CAAE"/>
+            </a:solidFill>
+          </p:grpSpPr>
+          <p:sp>
+            <p:nvSpPr>
+              <p:cNvPr id="29" name="Rectangle 28">
+                <a:extLst>
+                  <a:ext uri="{FF2B5EF4-FFF2-40B4-BE49-F238E27FC236}">
+                    <a16:creationId xmlns:a16="http://schemas.microsoft.com/office/drawing/2014/main" id="{7F845C8F-2C20-2F69-CFF0-7941851C55A0}"/>
+                  </a:ext>
+                </a:extLst>
+              </p:cNvPr>
+              <p:cNvSpPr/>
+              <p:nvPr/>
+            </p:nvSpPr>
+            <p:spPr>
+              <a:xfrm>
+                <a:off x="1463091" y="2364533"/>
+                <a:ext cx="8169528" cy="96832"/>
+              </a:xfrm>
+              <a:prstGeom prst="rect">
+                <a:avLst/>
+              </a:prstGeom>
+              <a:grpFill/>
+              <a:ln w="9525" cap="rnd">
+                <a:solidFill>
+                  <a:schemeClr val="tx1"/>
+                </a:solidFill>
+                <a:round/>
+              </a:ln>
+            </p:spPr>
+            <p:style>
+              <a:lnRef idx="2">
+                <a:schemeClr val="accent1">
+                  <a:shade val="50000"/>
+                </a:schemeClr>
+              </a:lnRef>
+              <a:fillRef idx="1">
+                <a:schemeClr val="accent1"/>
+              </a:fillRef>
+              <a:effectRef idx="0">
+                <a:schemeClr val="accent1"/>
+              </a:effectRef>
+              <a:fontRef idx="minor">
+                <a:schemeClr val="lt1"/>
+              </a:fontRef>
+            </p:style>
+            <p:txBody>
+              <a:bodyPr rtlCol="0" anchor="ctr"/>
+              <a:lstStyle/>
+              <a:p>
+                <a:pPr algn="ctr"/>
+                <a:endParaRPr lang="en-US" dirty="0"/>
+              </a:p>
+            </p:txBody>
+          </p:sp>
+          <p:sp>
+            <p:nvSpPr>
+              <p:cNvPr id="30" name="Rectangle 29">
+                <a:extLst>
+                  <a:ext uri="{FF2B5EF4-FFF2-40B4-BE49-F238E27FC236}">
+                    <a16:creationId xmlns:a16="http://schemas.microsoft.com/office/drawing/2014/main" id="{A4A96329-EB97-2815-0E17-BFD68B495D52}"/>
+                  </a:ext>
+                </a:extLst>
+              </p:cNvPr>
+              <p:cNvSpPr/>
+              <p:nvPr/>
+            </p:nvSpPr>
+            <p:spPr>
+              <a:xfrm>
+                <a:off x="1463091" y="2546826"/>
+                <a:ext cx="8169528" cy="86734"/>
+              </a:xfrm>
+              <a:prstGeom prst="rect">
+                <a:avLst/>
+              </a:prstGeom>
+              <a:grpFill/>
+              <a:ln w="9525" cap="rnd">
+                <a:solidFill>
+                  <a:schemeClr val="tx1"/>
+                </a:solidFill>
+                <a:round/>
+              </a:ln>
+            </p:spPr>
+            <p:style>
+              <a:lnRef idx="2">
+                <a:schemeClr val="accent1">
+                  <a:shade val="50000"/>
+                </a:schemeClr>
+              </a:lnRef>
+              <a:fillRef idx="1">
+                <a:schemeClr val="accent1"/>
+              </a:fillRef>
+              <a:effectRef idx="0">
+                <a:schemeClr val="accent1"/>
+              </a:effectRef>
+              <a:fontRef idx="minor">
+                <a:schemeClr val="lt1"/>
+              </a:fontRef>
+            </p:style>
+            <p:txBody>
+              <a:bodyPr rtlCol="0" anchor="ctr"/>
+              <a:lstStyle/>
+              <a:p>
+                <a:pPr algn="ctr"/>
+                <a:endParaRPr lang="en-US"/>
+              </a:p>
+            </p:txBody>
+          </p:sp>
+          <p:sp>
+            <p:nvSpPr>
+              <p:cNvPr id="31" name="Rectangle 30">
+                <a:extLst>
+                  <a:ext uri="{FF2B5EF4-FFF2-40B4-BE49-F238E27FC236}">
+                    <a16:creationId xmlns:a16="http://schemas.microsoft.com/office/drawing/2014/main" id="{7DB22083-61EC-FE02-C699-1C72374CDA69}"/>
+                  </a:ext>
+                </a:extLst>
+              </p:cNvPr>
+              <p:cNvSpPr/>
+              <p:nvPr/>
+            </p:nvSpPr>
+            <p:spPr>
+              <a:xfrm>
+                <a:off x="1463091" y="2733731"/>
+                <a:ext cx="6392382" cy="96832"/>
+              </a:xfrm>
+              <a:prstGeom prst="rect">
+                <a:avLst/>
+              </a:prstGeom>
+              <a:grpFill/>
+              <a:ln w="9525" cap="rnd">
+                <a:solidFill>
+                  <a:schemeClr val="tx1"/>
+                </a:solidFill>
+                <a:round/>
+              </a:ln>
+            </p:spPr>
+            <p:style>
+              <a:lnRef idx="2">
+                <a:schemeClr val="accent1">
+                  <a:shade val="50000"/>
+                </a:schemeClr>
+              </a:lnRef>
+              <a:fillRef idx="1">
+                <a:schemeClr val="accent1"/>
+              </a:fillRef>
+              <a:effectRef idx="0">
+                <a:schemeClr val="accent1"/>
+              </a:effectRef>
+              <a:fontRef idx="minor">
+                <a:schemeClr val="lt1"/>
+              </a:fontRef>
+            </p:style>
+            <p:txBody>
+              <a:bodyPr rtlCol="0" anchor="ctr"/>
+              <a:lstStyle/>
+              <a:p>
+                <a:pPr algn="ctr"/>
+                <a:endParaRPr lang="en-US"/>
+              </a:p>
+            </p:txBody>
+          </p:sp>
+          <p:sp>
+            <p:nvSpPr>
+              <p:cNvPr id="32" name="Rectangle 31">
+                <a:extLst>
+                  <a:ext uri="{FF2B5EF4-FFF2-40B4-BE49-F238E27FC236}">
+                    <a16:creationId xmlns:a16="http://schemas.microsoft.com/office/drawing/2014/main" id="{722788F4-EE59-CDE4-A6EC-EE05D14F5F48}"/>
+                  </a:ext>
+                </a:extLst>
+              </p:cNvPr>
+              <p:cNvSpPr/>
+              <p:nvPr/>
+            </p:nvSpPr>
+            <p:spPr>
+              <a:xfrm>
+                <a:off x="1463091" y="2895259"/>
+                <a:ext cx="8169528" cy="86735"/>
+              </a:xfrm>
+              <a:prstGeom prst="rect">
+                <a:avLst/>
+              </a:prstGeom>
+              <a:grpFill/>
+              <a:ln w="9525" cap="rnd">
+                <a:solidFill>
+                  <a:schemeClr val="tx1"/>
+                </a:solidFill>
+                <a:round/>
+              </a:ln>
+            </p:spPr>
+            <p:style>
+              <a:lnRef idx="2">
+                <a:schemeClr val="accent1">
+                  <a:shade val="50000"/>
+                </a:schemeClr>
+              </a:lnRef>
+              <a:fillRef idx="1">
+                <a:schemeClr val="accent1"/>
+              </a:fillRef>
+              <a:effectRef idx="0">
+                <a:schemeClr val="accent1"/>
+              </a:effectRef>
+              <a:fontRef idx="minor">
+                <a:schemeClr val="lt1"/>
+              </a:fontRef>
+            </p:style>
+            <p:txBody>
+              <a:bodyPr rtlCol="0" anchor="ctr"/>
+              <a:lstStyle/>
+              <a:p>
+                <a:pPr algn="ctr"/>
+                <a:endParaRPr lang="en-US"/>
+              </a:p>
+            </p:txBody>
+          </p:sp>
+          <p:sp>
+            <p:nvSpPr>
+              <p:cNvPr id="33" name="Rectangle 32">
+                <a:extLst>
+                  <a:ext uri="{FF2B5EF4-FFF2-40B4-BE49-F238E27FC236}">
+                    <a16:creationId xmlns:a16="http://schemas.microsoft.com/office/drawing/2014/main" id="{B3AB06E3-BEDC-C417-3792-DB498DEE7924}"/>
+                  </a:ext>
+                </a:extLst>
+              </p:cNvPr>
+              <p:cNvSpPr/>
+              <p:nvPr/>
+            </p:nvSpPr>
+            <p:spPr>
+              <a:xfrm>
+                <a:off x="1463113" y="3084562"/>
+                <a:ext cx="3704242" cy="86735"/>
+              </a:xfrm>
+              <a:prstGeom prst="rect">
+                <a:avLst/>
+              </a:prstGeom>
+              <a:grpFill/>
+              <a:ln w="9525" cap="rnd">
+                <a:solidFill>
+                  <a:schemeClr val="tx1"/>
+                </a:solidFill>
+                <a:round/>
+              </a:ln>
+            </p:spPr>
+            <p:style>
+              <a:lnRef idx="2">
+                <a:schemeClr val="accent1">
+                  <a:shade val="50000"/>
+                </a:schemeClr>
+              </a:lnRef>
+              <a:fillRef idx="1">
+                <a:schemeClr val="accent1"/>
+              </a:fillRef>
+              <a:effectRef idx="0">
+                <a:schemeClr val="accent1"/>
+              </a:effectRef>
+              <a:fontRef idx="minor">
+                <a:schemeClr val="lt1"/>
+              </a:fontRef>
+            </p:style>
+            <p:txBody>
+              <a:bodyPr rtlCol="0" anchor="ctr"/>
+              <a:lstStyle/>
+              <a:p>
+                <a:pPr algn="ctr"/>
+                <a:endParaRPr lang="en-US"/>
+              </a:p>
+            </p:txBody>
+          </p:sp>
+          <p:sp>
+            <p:nvSpPr>
+              <p:cNvPr id="34" name="Rectangle 33">
+                <a:extLst>
+                  <a:ext uri="{FF2B5EF4-FFF2-40B4-BE49-F238E27FC236}">
+                    <a16:creationId xmlns:a16="http://schemas.microsoft.com/office/drawing/2014/main" id="{D0884E71-8009-2725-70F4-4D6BA2CA4842}"/>
+                  </a:ext>
+                </a:extLst>
+              </p:cNvPr>
+              <p:cNvSpPr/>
+              <p:nvPr/>
+            </p:nvSpPr>
+            <p:spPr>
+              <a:xfrm>
+                <a:off x="1463091" y="3244901"/>
+                <a:ext cx="8169528" cy="86735"/>
+              </a:xfrm>
+              <a:prstGeom prst="rect">
+                <a:avLst/>
+              </a:prstGeom>
+              <a:grpFill/>
+              <a:ln w="9525" cap="rnd">
+                <a:solidFill>
+                  <a:schemeClr val="tx1"/>
+                </a:solidFill>
+                <a:round/>
+              </a:ln>
+            </p:spPr>
+            <p:style>
+              <a:lnRef idx="2">
+                <a:schemeClr val="accent1">
+                  <a:shade val="50000"/>
+                </a:schemeClr>
+              </a:lnRef>
+              <a:fillRef idx="1">
+                <a:schemeClr val="accent1"/>
+              </a:fillRef>
+              <a:effectRef idx="0">
+                <a:schemeClr val="accent1"/>
+              </a:effectRef>
+              <a:fontRef idx="minor">
+                <a:schemeClr val="lt1"/>
+              </a:fontRef>
+            </p:style>
+            <p:txBody>
+              <a:bodyPr rtlCol="0" anchor="ctr"/>
+              <a:lstStyle/>
+              <a:p>
+                <a:pPr algn="ctr"/>
+                <a:endParaRPr lang="en-US"/>
+              </a:p>
+            </p:txBody>
+          </p:sp>
+          <p:sp>
+            <p:nvSpPr>
+              <p:cNvPr id="35" name="Rectangle 34">
+                <a:extLst>
+                  <a:ext uri="{FF2B5EF4-FFF2-40B4-BE49-F238E27FC236}">
+                    <a16:creationId xmlns:a16="http://schemas.microsoft.com/office/drawing/2014/main" id="{2EEFD9D3-F9FE-0DCB-5DF4-7ADCFBAFEAE7}"/>
+                  </a:ext>
+                </a:extLst>
+              </p:cNvPr>
+              <p:cNvSpPr/>
+              <p:nvPr/>
+            </p:nvSpPr>
+            <p:spPr>
+              <a:xfrm>
+                <a:off x="1463091" y="3435424"/>
+                <a:ext cx="8169528" cy="86735"/>
+              </a:xfrm>
+              <a:prstGeom prst="rect">
+                <a:avLst/>
+              </a:prstGeom>
+              <a:grpFill/>
+              <a:ln w="9525" cap="rnd">
+                <a:solidFill>
+                  <a:schemeClr val="tx1"/>
+                </a:solidFill>
+                <a:round/>
+              </a:ln>
+            </p:spPr>
+            <p:style>
+              <a:lnRef idx="2">
+                <a:schemeClr val="accent1">
+                  <a:shade val="50000"/>
+                </a:schemeClr>
+              </a:lnRef>
+              <a:fillRef idx="1">
+                <a:schemeClr val="accent1"/>
+              </a:fillRef>
+              <a:effectRef idx="0">
+                <a:schemeClr val="accent1"/>
+              </a:effectRef>
+              <a:fontRef idx="minor">
+                <a:schemeClr val="lt1"/>
+              </a:fontRef>
+            </p:style>
+            <p:txBody>
+              <a:bodyPr rtlCol="0" anchor="ctr"/>
+              <a:lstStyle/>
+              <a:p>
+                <a:pPr algn="ctr"/>
+                <a:endParaRPr lang="en-US"/>
+              </a:p>
+            </p:txBody>
+          </p:sp>
+          <p:sp>
+            <p:nvSpPr>
+              <p:cNvPr id="36" name="Rectangle 35">
+                <a:extLst>
+                  <a:ext uri="{FF2B5EF4-FFF2-40B4-BE49-F238E27FC236}">
+                    <a16:creationId xmlns:a16="http://schemas.microsoft.com/office/drawing/2014/main" id="{CCE1F5CB-40D4-0A19-A795-FD7C8A642B70}"/>
+                  </a:ext>
+                </a:extLst>
+              </p:cNvPr>
+              <p:cNvSpPr/>
+              <p:nvPr/>
+            </p:nvSpPr>
+            <p:spPr>
+              <a:xfrm>
+                <a:off x="1463091" y="3637906"/>
+                <a:ext cx="8169528" cy="86735"/>
+              </a:xfrm>
+              <a:prstGeom prst="rect">
+                <a:avLst/>
+              </a:prstGeom>
+              <a:grpFill/>
+              <a:ln w="9525" cap="rnd">
+                <a:solidFill>
+                  <a:schemeClr val="tx1"/>
+                </a:solidFill>
+                <a:round/>
+              </a:ln>
+            </p:spPr>
+            <p:style>
+              <a:lnRef idx="2">
+                <a:schemeClr val="accent1">
+                  <a:shade val="50000"/>
+                </a:schemeClr>
+              </a:lnRef>
+              <a:fillRef idx="1">
+                <a:schemeClr val="accent1"/>
+              </a:fillRef>
+              <a:effectRef idx="0">
+                <a:schemeClr val="accent1"/>
+              </a:effectRef>
+              <a:fontRef idx="minor">
+                <a:schemeClr val="lt1"/>
+              </a:fontRef>
+            </p:style>
+            <p:txBody>
+              <a:bodyPr rtlCol="0" anchor="ctr"/>
+              <a:lstStyle/>
+              <a:p>
+                <a:pPr algn="ctr"/>
+                <a:endParaRPr lang="en-US"/>
+              </a:p>
+            </p:txBody>
+          </p:sp>
+        </p:grpSp>
         <p:sp>
           <p:nvSpPr>
-            <p:cNvPr id="29" name="Rectangle 28">
+            <p:cNvPr id="28" name="TextBox 27">
               <a:extLst>
                 <a:ext uri="{FF2B5EF4-FFF2-40B4-BE49-F238E27FC236}">
-                  <a16:creationId xmlns:a16="http://schemas.microsoft.com/office/drawing/2014/main" id="{7F845C8F-2C20-2F69-CFF0-7941851C55A0}"/>
+                  <a16:creationId xmlns:a16="http://schemas.microsoft.com/office/drawing/2014/main" id="{F13727A6-0AC4-431E-F9EA-5F705DEDF688}"/>
+                </a:ext>
+              </a:extLst>
+            </p:cNvPr>
+            <p:cNvSpPr txBox="1"/>
+            <p:nvPr/>
+          </p:nvSpPr>
+          <p:spPr>
+            <a:xfrm>
+              <a:off x="1946456" y="1607971"/>
+              <a:ext cx="5304475" cy="1015663"/>
+            </a:xfrm>
+            <a:prstGeom prst="rect">
+              <a:avLst/>
+            </a:prstGeom>
+            <a:noFill/>
+          </p:spPr>
+          <p:txBody>
+            <a:bodyPr wrap="square" rtlCol="0">
+              <a:spAutoFit/>
+            </a:bodyPr>
+            <a:lstStyle/>
+            <a:p>
+              <a:pPr algn="ctr"/>
+              <a:r>
+                <a:rPr lang="en-US" sz="6000" b="1" dirty="0" err="1">
+                  <a:solidFill>
+                    <a:srgbClr val="002060"/>
+                  </a:solidFill>
+                  <a:latin typeface="Nordique Inline" panose="020F0502020204030204" pitchFamily="34" charset="0"/>
+                  <a:ea typeface="Geneva" panose="020B0503030404040204" pitchFamily="34" charset="0"/>
+                  <a:cs typeface="Nordique Inline" panose="020F0502020204030204" pitchFamily="34" charset="0"/>
+                </a:rPr>
+                <a:t>SuperCRUNCH</a:t>
+              </a:r>
+              <a:endParaRPr lang="en-US" sz="6000" b="1" dirty="0">
+                <a:solidFill>
+                  <a:srgbClr val="002060"/>
+                </a:solidFill>
+                <a:latin typeface="Nordique Inline" panose="020F0502020204030204" pitchFamily="34" charset="0"/>
+                <a:ea typeface="Geneva" panose="020B0503030404040204" pitchFamily="34" charset="0"/>
+                <a:cs typeface="Nordique Inline" panose="020F0502020204030204" pitchFamily="34" charset="0"/>
+              </a:endParaRPr>
+            </a:p>
+          </p:txBody>
+        </p:sp>
+        <p:grpSp>
+          <p:nvGrpSpPr>
+            <p:cNvPr id="52" name="Group 51">
+              <a:extLst>
+                <a:ext uri="{FF2B5EF4-FFF2-40B4-BE49-F238E27FC236}">
+                  <a16:creationId xmlns:a16="http://schemas.microsoft.com/office/drawing/2014/main" id="{DE048C00-241E-AA79-4EA3-9C4CEB8CD857}"/>
+                </a:ext>
+              </a:extLst>
+            </p:cNvPr>
+            <p:cNvGrpSpPr/>
+            <p:nvPr/>
+          </p:nvGrpSpPr>
+          <p:grpSpPr>
+            <a:xfrm>
+              <a:off x="7858899" y="1699899"/>
+              <a:ext cx="378214" cy="1360108"/>
+              <a:chOff x="1463091" y="2364533"/>
+              <a:chExt cx="8169528" cy="1360108"/>
+            </a:xfrm>
+            <a:solidFill>
+              <a:srgbClr val="5A3D2B"/>
+            </a:solidFill>
+          </p:grpSpPr>
+          <p:sp>
+            <p:nvSpPr>
+              <p:cNvPr id="53" name="Rectangle 52">
+                <a:extLst>
+                  <a:ext uri="{FF2B5EF4-FFF2-40B4-BE49-F238E27FC236}">
+                    <a16:creationId xmlns:a16="http://schemas.microsoft.com/office/drawing/2014/main" id="{B52F8D83-DB6A-6EAE-D6B2-0EF8FED9A6BC}"/>
+                  </a:ext>
+                </a:extLst>
+              </p:cNvPr>
+              <p:cNvSpPr/>
+              <p:nvPr/>
+            </p:nvSpPr>
+            <p:spPr>
+              <a:xfrm>
+                <a:off x="2389657" y="2364533"/>
+                <a:ext cx="7242941" cy="96832"/>
+              </a:xfrm>
+              <a:prstGeom prst="rect">
+                <a:avLst/>
+              </a:prstGeom>
+              <a:grpFill/>
+              <a:ln w="9525" cap="rnd">
+                <a:solidFill>
+                  <a:schemeClr val="tx1"/>
+                </a:solidFill>
+                <a:round/>
+              </a:ln>
+            </p:spPr>
+            <p:style>
+              <a:lnRef idx="2">
+                <a:schemeClr val="accent1">
+                  <a:shade val="50000"/>
+                </a:schemeClr>
+              </a:lnRef>
+              <a:fillRef idx="1">
+                <a:schemeClr val="accent1"/>
+              </a:fillRef>
+              <a:effectRef idx="0">
+                <a:schemeClr val="accent1"/>
+              </a:effectRef>
+              <a:fontRef idx="minor">
+                <a:schemeClr val="lt1"/>
+              </a:fontRef>
+            </p:style>
+            <p:txBody>
+              <a:bodyPr rtlCol="0" anchor="ctr"/>
+              <a:lstStyle/>
+              <a:p>
+                <a:pPr algn="ctr"/>
+                <a:endParaRPr lang="en-US" dirty="0"/>
+              </a:p>
+            </p:txBody>
+          </p:sp>
+          <p:sp>
+            <p:nvSpPr>
+              <p:cNvPr id="54" name="Rectangle 53">
+                <a:extLst>
+                  <a:ext uri="{FF2B5EF4-FFF2-40B4-BE49-F238E27FC236}">
+                    <a16:creationId xmlns:a16="http://schemas.microsoft.com/office/drawing/2014/main" id="{1C591F7C-8950-6B25-4C86-B822BD66832D}"/>
+                  </a:ext>
+                </a:extLst>
+              </p:cNvPr>
+              <p:cNvSpPr/>
+              <p:nvPr/>
+            </p:nvSpPr>
+            <p:spPr>
+              <a:xfrm>
+                <a:off x="1463091" y="2546826"/>
+                <a:ext cx="8169528" cy="86734"/>
+              </a:xfrm>
+              <a:prstGeom prst="rect">
+                <a:avLst/>
+              </a:prstGeom>
+              <a:grpFill/>
+              <a:ln w="9525" cap="rnd">
+                <a:solidFill>
+                  <a:schemeClr val="tx1"/>
+                </a:solidFill>
+                <a:round/>
+              </a:ln>
+            </p:spPr>
+            <p:style>
+              <a:lnRef idx="2">
+                <a:schemeClr val="accent1">
+                  <a:shade val="50000"/>
+                </a:schemeClr>
+              </a:lnRef>
+              <a:fillRef idx="1">
+                <a:schemeClr val="accent1"/>
+              </a:fillRef>
+              <a:effectRef idx="0">
+                <a:schemeClr val="accent1"/>
+              </a:effectRef>
+              <a:fontRef idx="minor">
+                <a:schemeClr val="lt1"/>
+              </a:fontRef>
+            </p:style>
+            <p:txBody>
+              <a:bodyPr rtlCol="0" anchor="ctr"/>
+              <a:lstStyle/>
+              <a:p>
+                <a:pPr algn="ctr"/>
+                <a:endParaRPr lang="en-US"/>
+              </a:p>
+            </p:txBody>
+          </p:sp>
+          <p:sp>
+            <p:nvSpPr>
+              <p:cNvPr id="55" name="Rectangle 54">
+                <a:extLst>
+                  <a:ext uri="{FF2B5EF4-FFF2-40B4-BE49-F238E27FC236}">
+                    <a16:creationId xmlns:a16="http://schemas.microsoft.com/office/drawing/2014/main" id="{09C3B34A-10F1-F2A8-0A93-628D2DE9EAB4}"/>
+                  </a:ext>
+                </a:extLst>
+              </p:cNvPr>
+              <p:cNvSpPr/>
+              <p:nvPr/>
+            </p:nvSpPr>
+            <p:spPr>
+              <a:xfrm>
+                <a:off x="1463091" y="2733731"/>
+                <a:ext cx="6392365" cy="86735"/>
+              </a:xfrm>
+              <a:prstGeom prst="rect">
+                <a:avLst/>
+              </a:prstGeom>
+              <a:grpFill/>
+              <a:ln w="9525" cap="rnd">
+                <a:solidFill>
+                  <a:schemeClr val="tx1"/>
+                </a:solidFill>
+                <a:round/>
+              </a:ln>
+            </p:spPr>
+            <p:style>
+              <a:lnRef idx="2">
+                <a:schemeClr val="accent1">
+                  <a:shade val="50000"/>
+                </a:schemeClr>
+              </a:lnRef>
+              <a:fillRef idx="1">
+                <a:schemeClr val="accent1"/>
+              </a:fillRef>
+              <a:effectRef idx="0">
+                <a:schemeClr val="accent1"/>
+              </a:effectRef>
+              <a:fontRef idx="minor">
+                <a:schemeClr val="lt1"/>
+              </a:fontRef>
+            </p:style>
+            <p:txBody>
+              <a:bodyPr rtlCol="0" anchor="ctr"/>
+              <a:lstStyle/>
+              <a:p>
+                <a:pPr algn="ctr"/>
+                <a:endParaRPr lang="en-US"/>
+              </a:p>
+            </p:txBody>
+          </p:sp>
+          <p:sp>
+            <p:nvSpPr>
+              <p:cNvPr id="56" name="Rectangle 55">
+                <a:extLst>
+                  <a:ext uri="{FF2B5EF4-FFF2-40B4-BE49-F238E27FC236}">
+                    <a16:creationId xmlns:a16="http://schemas.microsoft.com/office/drawing/2014/main" id="{F0192593-A6E9-9BA6-442C-2A0C13D76C93}"/>
+                  </a:ext>
+                </a:extLst>
+              </p:cNvPr>
+              <p:cNvSpPr/>
+              <p:nvPr/>
+            </p:nvSpPr>
+            <p:spPr>
+              <a:xfrm>
+                <a:off x="1463091" y="2895259"/>
+                <a:ext cx="8169528" cy="86735"/>
+              </a:xfrm>
+              <a:prstGeom prst="rect">
+                <a:avLst/>
+              </a:prstGeom>
+              <a:grpFill/>
+              <a:ln w="9525" cap="rnd">
+                <a:solidFill>
+                  <a:schemeClr val="tx1"/>
+                </a:solidFill>
+                <a:round/>
+              </a:ln>
+            </p:spPr>
+            <p:style>
+              <a:lnRef idx="2">
+                <a:schemeClr val="accent1">
+                  <a:shade val="50000"/>
+                </a:schemeClr>
+              </a:lnRef>
+              <a:fillRef idx="1">
+                <a:schemeClr val="accent1"/>
+              </a:fillRef>
+              <a:effectRef idx="0">
+                <a:schemeClr val="accent1"/>
+              </a:effectRef>
+              <a:fontRef idx="minor">
+                <a:schemeClr val="lt1"/>
+              </a:fontRef>
+            </p:style>
+            <p:txBody>
+              <a:bodyPr rtlCol="0" anchor="ctr"/>
+              <a:lstStyle/>
+              <a:p>
+                <a:pPr algn="ctr"/>
+                <a:endParaRPr lang="en-US"/>
+              </a:p>
+            </p:txBody>
+          </p:sp>
+          <p:sp>
+            <p:nvSpPr>
+              <p:cNvPr id="57" name="Rectangle 56">
+                <a:extLst>
+                  <a:ext uri="{FF2B5EF4-FFF2-40B4-BE49-F238E27FC236}">
+                    <a16:creationId xmlns:a16="http://schemas.microsoft.com/office/drawing/2014/main" id="{1A4B97FB-9202-000E-D2A6-EAF121F24E4D}"/>
+                  </a:ext>
+                </a:extLst>
+              </p:cNvPr>
+              <p:cNvSpPr/>
+              <p:nvPr/>
+            </p:nvSpPr>
+            <p:spPr>
+              <a:xfrm>
+                <a:off x="1463091" y="3084562"/>
+                <a:ext cx="8169528" cy="86735"/>
+              </a:xfrm>
+              <a:prstGeom prst="rect">
+                <a:avLst/>
+              </a:prstGeom>
+              <a:grpFill/>
+              <a:ln w="9525" cap="rnd">
+                <a:solidFill>
+                  <a:schemeClr val="tx1"/>
+                </a:solidFill>
+                <a:round/>
+              </a:ln>
+            </p:spPr>
+            <p:style>
+              <a:lnRef idx="2">
+                <a:schemeClr val="accent1">
+                  <a:shade val="50000"/>
+                </a:schemeClr>
+              </a:lnRef>
+              <a:fillRef idx="1">
+                <a:schemeClr val="accent1"/>
+              </a:fillRef>
+              <a:effectRef idx="0">
+                <a:schemeClr val="accent1"/>
+              </a:effectRef>
+              <a:fontRef idx="minor">
+                <a:schemeClr val="lt1"/>
+              </a:fontRef>
+            </p:style>
+            <p:txBody>
+              <a:bodyPr rtlCol="0" anchor="ctr"/>
+              <a:lstStyle/>
+              <a:p>
+                <a:pPr algn="ctr"/>
+                <a:endParaRPr lang="en-US"/>
+              </a:p>
+            </p:txBody>
+          </p:sp>
+          <p:sp>
+            <p:nvSpPr>
+              <p:cNvPr id="58" name="Rectangle 57">
+                <a:extLst>
+                  <a:ext uri="{FF2B5EF4-FFF2-40B4-BE49-F238E27FC236}">
+                    <a16:creationId xmlns:a16="http://schemas.microsoft.com/office/drawing/2014/main" id="{A11D3913-F02D-E197-69A5-66D49B3671C6}"/>
+                  </a:ext>
+                </a:extLst>
+              </p:cNvPr>
+              <p:cNvSpPr/>
+              <p:nvPr/>
+            </p:nvSpPr>
+            <p:spPr>
+              <a:xfrm>
+                <a:off x="1463091" y="3244901"/>
+                <a:ext cx="8169528" cy="86735"/>
+              </a:xfrm>
+              <a:prstGeom prst="rect">
+                <a:avLst/>
+              </a:prstGeom>
+              <a:grpFill/>
+              <a:ln w="9525" cap="rnd">
+                <a:solidFill>
+                  <a:schemeClr val="tx1"/>
+                </a:solidFill>
+                <a:round/>
+              </a:ln>
+            </p:spPr>
+            <p:style>
+              <a:lnRef idx="2">
+                <a:schemeClr val="accent1">
+                  <a:shade val="50000"/>
+                </a:schemeClr>
+              </a:lnRef>
+              <a:fillRef idx="1">
+                <a:schemeClr val="accent1"/>
+              </a:fillRef>
+              <a:effectRef idx="0">
+                <a:schemeClr val="accent1"/>
+              </a:effectRef>
+              <a:fontRef idx="minor">
+                <a:schemeClr val="lt1"/>
+              </a:fontRef>
+            </p:style>
+            <p:txBody>
+              <a:bodyPr rtlCol="0" anchor="ctr"/>
+              <a:lstStyle/>
+              <a:p>
+                <a:pPr algn="ctr"/>
+                <a:endParaRPr lang="en-US"/>
+              </a:p>
+            </p:txBody>
+          </p:sp>
+          <p:sp>
+            <p:nvSpPr>
+              <p:cNvPr id="60" name="Rectangle 59">
+                <a:extLst>
+                  <a:ext uri="{FF2B5EF4-FFF2-40B4-BE49-F238E27FC236}">
+                    <a16:creationId xmlns:a16="http://schemas.microsoft.com/office/drawing/2014/main" id="{CD4703AF-CCD7-53D0-5425-280C35A6111E}"/>
+                  </a:ext>
+                </a:extLst>
+              </p:cNvPr>
+              <p:cNvSpPr/>
+              <p:nvPr/>
+            </p:nvSpPr>
+            <p:spPr>
+              <a:xfrm>
+                <a:off x="1463091" y="3637906"/>
+                <a:ext cx="8169528" cy="86735"/>
+              </a:xfrm>
+              <a:prstGeom prst="rect">
+                <a:avLst/>
+              </a:prstGeom>
+              <a:grpFill/>
+              <a:ln w="9525" cap="rnd">
+                <a:solidFill>
+                  <a:schemeClr val="tx1"/>
+                </a:solidFill>
+                <a:round/>
+              </a:ln>
+            </p:spPr>
+            <p:style>
+              <a:lnRef idx="2">
+                <a:schemeClr val="accent1">
+                  <a:shade val="50000"/>
+                </a:schemeClr>
+              </a:lnRef>
+              <a:fillRef idx="1">
+                <a:schemeClr val="accent1"/>
+              </a:fillRef>
+              <a:effectRef idx="0">
+                <a:schemeClr val="accent1"/>
+              </a:effectRef>
+              <a:fontRef idx="minor">
+                <a:schemeClr val="lt1"/>
+              </a:fontRef>
+            </p:style>
+            <p:txBody>
+              <a:bodyPr rtlCol="0" anchor="ctr"/>
+              <a:lstStyle/>
+              <a:p>
+                <a:pPr algn="ctr"/>
+                <a:endParaRPr lang="en-US"/>
+              </a:p>
+            </p:txBody>
+          </p:sp>
+        </p:grpSp>
+        <p:grpSp>
+          <p:nvGrpSpPr>
+            <p:cNvPr id="61" name="Group 60">
+              <a:extLst>
+                <a:ext uri="{FF2B5EF4-FFF2-40B4-BE49-F238E27FC236}">
+                  <a16:creationId xmlns:a16="http://schemas.microsoft.com/office/drawing/2014/main" id="{59B69AC9-8C22-B315-8DF8-7DA729AC61A8}"/>
+                </a:ext>
+              </a:extLst>
+            </p:cNvPr>
+            <p:cNvGrpSpPr/>
+            <p:nvPr/>
+          </p:nvGrpSpPr>
+          <p:grpSpPr>
+            <a:xfrm>
+              <a:off x="8284191" y="1699899"/>
+              <a:ext cx="835096" cy="1360108"/>
+              <a:chOff x="1463091" y="2364533"/>
+              <a:chExt cx="8169528" cy="1360108"/>
+            </a:xfrm>
+            <a:solidFill>
+              <a:srgbClr val="FFECB4"/>
+            </a:solidFill>
+          </p:grpSpPr>
+          <p:sp>
+            <p:nvSpPr>
+              <p:cNvPr id="62" name="Rectangle 61">
+                <a:extLst>
+                  <a:ext uri="{FF2B5EF4-FFF2-40B4-BE49-F238E27FC236}">
+                    <a16:creationId xmlns:a16="http://schemas.microsoft.com/office/drawing/2014/main" id="{8C92A0F8-143D-2BD0-A422-C90AF3DF408F}"/>
+                  </a:ext>
+                </a:extLst>
+              </p:cNvPr>
+              <p:cNvSpPr/>
+              <p:nvPr/>
+            </p:nvSpPr>
+            <p:spPr>
+              <a:xfrm>
+                <a:off x="1463091" y="2364533"/>
+                <a:ext cx="8169528" cy="96832"/>
+              </a:xfrm>
+              <a:prstGeom prst="rect">
+                <a:avLst/>
+              </a:prstGeom>
+              <a:grpFill/>
+              <a:ln w="9525" cap="rnd">
+                <a:solidFill>
+                  <a:schemeClr val="tx1"/>
+                </a:solidFill>
+                <a:round/>
+              </a:ln>
+            </p:spPr>
+            <p:style>
+              <a:lnRef idx="2">
+                <a:schemeClr val="accent1">
+                  <a:shade val="50000"/>
+                </a:schemeClr>
+              </a:lnRef>
+              <a:fillRef idx="1">
+                <a:schemeClr val="accent1"/>
+              </a:fillRef>
+              <a:effectRef idx="0">
+                <a:schemeClr val="accent1"/>
+              </a:effectRef>
+              <a:fontRef idx="minor">
+                <a:schemeClr val="lt1"/>
+              </a:fontRef>
+            </p:style>
+            <p:txBody>
+              <a:bodyPr rtlCol="0" anchor="ctr"/>
+              <a:lstStyle/>
+              <a:p>
+                <a:pPr algn="ctr"/>
+                <a:endParaRPr lang="en-US" dirty="0"/>
+              </a:p>
+            </p:txBody>
+          </p:sp>
+          <p:sp>
+            <p:nvSpPr>
+              <p:cNvPr id="63" name="Rectangle 62">
+                <a:extLst>
+                  <a:ext uri="{FF2B5EF4-FFF2-40B4-BE49-F238E27FC236}">
+                    <a16:creationId xmlns:a16="http://schemas.microsoft.com/office/drawing/2014/main" id="{6A9FB108-A9C5-5D7D-4E4A-510E237FD418}"/>
+                  </a:ext>
+                </a:extLst>
+              </p:cNvPr>
+              <p:cNvSpPr/>
+              <p:nvPr/>
+            </p:nvSpPr>
+            <p:spPr>
+              <a:xfrm>
+                <a:off x="1463091" y="2546826"/>
+                <a:ext cx="6960694" cy="96832"/>
+              </a:xfrm>
+              <a:prstGeom prst="rect">
+                <a:avLst/>
+              </a:prstGeom>
+              <a:grpFill/>
+              <a:ln w="9525" cap="rnd">
+                <a:solidFill>
+                  <a:schemeClr val="tx1"/>
+                </a:solidFill>
+                <a:round/>
+              </a:ln>
+            </p:spPr>
+            <p:style>
+              <a:lnRef idx="2">
+                <a:schemeClr val="accent1">
+                  <a:shade val="50000"/>
+                </a:schemeClr>
+              </a:lnRef>
+              <a:fillRef idx="1">
+                <a:schemeClr val="accent1"/>
+              </a:fillRef>
+              <a:effectRef idx="0">
+                <a:schemeClr val="accent1"/>
+              </a:effectRef>
+              <a:fontRef idx="minor">
+                <a:schemeClr val="lt1"/>
+              </a:fontRef>
+            </p:style>
+            <p:txBody>
+              <a:bodyPr rtlCol="0" anchor="ctr"/>
+              <a:lstStyle/>
+              <a:p>
+                <a:pPr algn="ctr"/>
+                <a:endParaRPr lang="en-US"/>
+              </a:p>
+            </p:txBody>
+          </p:sp>
+          <p:sp>
+            <p:nvSpPr>
+              <p:cNvPr id="64" name="Rectangle 63">
+                <a:extLst>
+                  <a:ext uri="{FF2B5EF4-FFF2-40B4-BE49-F238E27FC236}">
+                    <a16:creationId xmlns:a16="http://schemas.microsoft.com/office/drawing/2014/main" id="{A60B4B36-4B49-CC01-A7F9-FB219BB82C4E}"/>
+                  </a:ext>
+                </a:extLst>
+              </p:cNvPr>
+              <p:cNvSpPr/>
+              <p:nvPr/>
+            </p:nvSpPr>
+            <p:spPr>
+              <a:xfrm>
+                <a:off x="1463091" y="2733731"/>
+                <a:ext cx="6960694" cy="96832"/>
+              </a:xfrm>
+              <a:prstGeom prst="rect">
+                <a:avLst/>
+              </a:prstGeom>
+              <a:grpFill/>
+              <a:ln w="9525" cap="rnd">
+                <a:solidFill>
+                  <a:schemeClr val="tx1"/>
+                </a:solidFill>
+                <a:round/>
+              </a:ln>
+            </p:spPr>
+            <p:style>
+              <a:lnRef idx="2">
+                <a:schemeClr val="accent1">
+                  <a:shade val="50000"/>
+                </a:schemeClr>
+              </a:lnRef>
+              <a:fillRef idx="1">
+                <a:schemeClr val="accent1"/>
+              </a:fillRef>
+              <a:effectRef idx="0">
+                <a:schemeClr val="accent1"/>
+              </a:effectRef>
+              <a:fontRef idx="minor">
+                <a:schemeClr val="lt1"/>
+              </a:fontRef>
+            </p:style>
+            <p:txBody>
+              <a:bodyPr rtlCol="0" anchor="ctr"/>
+              <a:lstStyle/>
+              <a:p>
+                <a:pPr algn="ctr"/>
+                <a:endParaRPr lang="en-US"/>
+              </a:p>
+            </p:txBody>
+          </p:sp>
+          <p:sp>
+            <p:nvSpPr>
+              <p:cNvPr id="65" name="Rectangle 64">
+                <a:extLst>
+                  <a:ext uri="{FF2B5EF4-FFF2-40B4-BE49-F238E27FC236}">
+                    <a16:creationId xmlns:a16="http://schemas.microsoft.com/office/drawing/2014/main" id="{9C41AD4A-3D45-F305-DED5-6C7AF90FA8F1}"/>
+                  </a:ext>
+                </a:extLst>
+              </p:cNvPr>
+              <p:cNvSpPr/>
+              <p:nvPr/>
+            </p:nvSpPr>
+            <p:spPr>
+              <a:xfrm>
+                <a:off x="1463091" y="2895259"/>
+                <a:ext cx="8169528" cy="86735"/>
+              </a:xfrm>
+              <a:prstGeom prst="rect">
+                <a:avLst/>
+              </a:prstGeom>
+              <a:grpFill/>
+              <a:ln w="9525" cap="rnd">
+                <a:solidFill>
+                  <a:schemeClr val="tx1"/>
+                </a:solidFill>
+                <a:round/>
+              </a:ln>
+            </p:spPr>
+            <p:style>
+              <a:lnRef idx="2">
+                <a:schemeClr val="accent1">
+                  <a:shade val="50000"/>
+                </a:schemeClr>
+              </a:lnRef>
+              <a:fillRef idx="1">
+                <a:schemeClr val="accent1"/>
+              </a:fillRef>
+              <a:effectRef idx="0">
+                <a:schemeClr val="accent1"/>
+              </a:effectRef>
+              <a:fontRef idx="minor">
+                <a:schemeClr val="lt1"/>
+              </a:fontRef>
+            </p:style>
+            <p:txBody>
+              <a:bodyPr rtlCol="0" anchor="ctr"/>
+              <a:lstStyle/>
+              <a:p>
+                <a:pPr algn="ctr"/>
+                <a:endParaRPr lang="en-US"/>
+              </a:p>
+            </p:txBody>
+          </p:sp>
+          <p:sp>
+            <p:nvSpPr>
+              <p:cNvPr id="66" name="Rectangle 65">
+                <a:extLst>
+                  <a:ext uri="{FF2B5EF4-FFF2-40B4-BE49-F238E27FC236}">
+                    <a16:creationId xmlns:a16="http://schemas.microsoft.com/office/drawing/2014/main" id="{01F0AD1C-7158-6FFF-977D-FEBE9D89C7E8}"/>
+                  </a:ext>
+                </a:extLst>
+              </p:cNvPr>
+              <p:cNvSpPr/>
+              <p:nvPr/>
+            </p:nvSpPr>
+            <p:spPr>
+              <a:xfrm>
+                <a:off x="1463091" y="3084562"/>
+                <a:ext cx="8169528" cy="86735"/>
+              </a:xfrm>
+              <a:prstGeom prst="rect">
+                <a:avLst/>
+              </a:prstGeom>
+              <a:grpFill/>
+              <a:ln w="9525" cap="rnd">
+                <a:solidFill>
+                  <a:schemeClr val="tx1"/>
+                </a:solidFill>
+                <a:round/>
+              </a:ln>
+            </p:spPr>
+            <p:style>
+              <a:lnRef idx="2">
+                <a:schemeClr val="accent1">
+                  <a:shade val="50000"/>
+                </a:schemeClr>
+              </a:lnRef>
+              <a:fillRef idx="1">
+                <a:schemeClr val="accent1"/>
+              </a:fillRef>
+              <a:effectRef idx="0">
+                <a:schemeClr val="accent1"/>
+              </a:effectRef>
+              <a:fontRef idx="minor">
+                <a:schemeClr val="lt1"/>
+              </a:fontRef>
+            </p:style>
+            <p:txBody>
+              <a:bodyPr rtlCol="0" anchor="ctr"/>
+              <a:lstStyle/>
+              <a:p>
+                <a:pPr algn="ctr"/>
+                <a:endParaRPr lang="en-US"/>
+              </a:p>
+            </p:txBody>
+          </p:sp>
+          <p:sp>
+            <p:nvSpPr>
+              <p:cNvPr id="67" name="Rectangle 66">
+                <a:extLst>
+                  <a:ext uri="{FF2B5EF4-FFF2-40B4-BE49-F238E27FC236}">
+                    <a16:creationId xmlns:a16="http://schemas.microsoft.com/office/drawing/2014/main" id="{B094AC56-CD5D-57B0-37E7-20253FC5BB41}"/>
+                  </a:ext>
+                </a:extLst>
+              </p:cNvPr>
+              <p:cNvSpPr/>
+              <p:nvPr/>
+            </p:nvSpPr>
+            <p:spPr>
+              <a:xfrm>
+                <a:off x="3460727" y="3244901"/>
+                <a:ext cx="6171882" cy="86735"/>
+              </a:xfrm>
+              <a:prstGeom prst="rect">
+                <a:avLst/>
+              </a:prstGeom>
+              <a:grpFill/>
+              <a:ln w="9525" cap="rnd">
+                <a:solidFill>
+                  <a:schemeClr val="tx1"/>
+                </a:solidFill>
+                <a:round/>
+              </a:ln>
+            </p:spPr>
+            <p:style>
+              <a:lnRef idx="2">
+                <a:schemeClr val="accent1">
+                  <a:shade val="50000"/>
+                </a:schemeClr>
+              </a:lnRef>
+              <a:fillRef idx="1">
+                <a:schemeClr val="accent1"/>
+              </a:fillRef>
+              <a:effectRef idx="0">
+                <a:schemeClr val="accent1"/>
+              </a:effectRef>
+              <a:fontRef idx="minor">
+                <a:schemeClr val="lt1"/>
+              </a:fontRef>
+            </p:style>
+            <p:txBody>
+              <a:bodyPr rtlCol="0" anchor="ctr"/>
+              <a:lstStyle/>
+              <a:p>
+                <a:pPr algn="ctr"/>
+                <a:endParaRPr lang="en-US"/>
+              </a:p>
+            </p:txBody>
+          </p:sp>
+          <p:sp>
+            <p:nvSpPr>
+              <p:cNvPr id="68" name="Rectangle 67">
+                <a:extLst>
+                  <a:ext uri="{FF2B5EF4-FFF2-40B4-BE49-F238E27FC236}">
+                    <a16:creationId xmlns:a16="http://schemas.microsoft.com/office/drawing/2014/main" id="{675903ED-7528-6F5D-126E-BA7DDB7B9637}"/>
+                  </a:ext>
+                </a:extLst>
+              </p:cNvPr>
+              <p:cNvSpPr/>
+              <p:nvPr/>
+            </p:nvSpPr>
+            <p:spPr>
+              <a:xfrm>
+                <a:off x="1463091" y="3435424"/>
+                <a:ext cx="8169528" cy="86735"/>
+              </a:xfrm>
+              <a:prstGeom prst="rect">
+                <a:avLst/>
+              </a:prstGeom>
+              <a:grpFill/>
+              <a:ln w="9525" cap="rnd">
+                <a:solidFill>
+                  <a:schemeClr val="tx1"/>
+                </a:solidFill>
+                <a:round/>
+              </a:ln>
+            </p:spPr>
+            <p:style>
+              <a:lnRef idx="2">
+                <a:schemeClr val="accent1">
+                  <a:shade val="50000"/>
+                </a:schemeClr>
+              </a:lnRef>
+              <a:fillRef idx="1">
+                <a:schemeClr val="accent1"/>
+              </a:fillRef>
+              <a:effectRef idx="0">
+                <a:schemeClr val="accent1"/>
+              </a:effectRef>
+              <a:fontRef idx="minor">
+                <a:schemeClr val="lt1"/>
+              </a:fontRef>
+            </p:style>
+            <p:txBody>
+              <a:bodyPr rtlCol="0" anchor="ctr"/>
+              <a:lstStyle/>
+              <a:p>
+                <a:pPr algn="ctr"/>
+                <a:endParaRPr lang="en-US"/>
+              </a:p>
+            </p:txBody>
+          </p:sp>
+          <p:sp>
+            <p:nvSpPr>
+              <p:cNvPr id="69" name="Rectangle 68">
+                <a:extLst>
+                  <a:ext uri="{FF2B5EF4-FFF2-40B4-BE49-F238E27FC236}">
+                    <a16:creationId xmlns:a16="http://schemas.microsoft.com/office/drawing/2014/main" id="{7827EE07-59BE-0699-631A-4EA69F5DF641}"/>
+                  </a:ext>
+                </a:extLst>
+              </p:cNvPr>
+              <p:cNvSpPr/>
+              <p:nvPr/>
+            </p:nvSpPr>
+            <p:spPr>
+              <a:xfrm>
+                <a:off x="1463091" y="3637906"/>
+                <a:ext cx="8169528" cy="86735"/>
+              </a:xfrm>
+              <a:prstGeom prst="rect">
+                <a:avLst/>
+              </a:prstGeom>
+              <a:grpFill/>
+              <a:ln w="9525" cap="rnd">
+                <a:solidFill>
+                  <a:schemeClr val="tx1"/>
+                </a:solidFill>
+                <a:round/>
+              </a:ln>
+            </p:spPr>
+            <p:style>
+              <a:lnRef idx="2">
+                <a:schemeClr val="accent1">
+                  <a:shade val="50000"/>
+                </a:schemeClr>
+              </a:lnRef>
+              <a:fillRef idx="1">
+                <a:schemeClr val="accent1"/>
+              </a:fillRef>
+              <a:effectRef idx="0">
+                <a:schemeClr val="accent1"/>
+              </a:effectRef>
+              <a:fontRef idx="minor">
+                <a:schemeClr val="lt1"/>
+              </a:fontRef>
+            </p:style>
+            <p:txBody>
+              <a:bodyPr rtlCol="0" anchor="ctr"/>
+              <a:lstStyle/>
+              <a:p>
+                <a:pPr algn="ctr"/>
+                <a:endParaRPr lang="en-US"/>
+              </a:p>
+            </p:txBody>
+          </p:sp>
+        </p:grpSp>
+        <p:grpSp>
+          <p:nvGrpSpPr>
+            <p:cNvPr id="70" name="Group 69">
+              <a:extLst>
+                <a:ext uri="{FF2B5EF4-FFF2-40B4-BE49-F238E27FC236}">
+                  <a16:creationId xmlns:a16="http://schemas.microsoft.com/office/drawing/2014/main" id="{BDB6088A-428C-473B-125A-2150CD143BBE}"/>
+                </a:ext>
+              </a:extLst>
+            </p:cNvPr>
+            <p:cNvGrpSpPr/>
+            <p:nvPr/>
+          </p:nvGrpSpPr>
+          <p:grpSpPr>
+            <a:xfrm>
+              <a:off x="9172380" y="1699899"/>
+              <a:ext cx="378214" cy="1360108"/>
+              <a:chOff x="1463091" y="2364533"/>
+              <a:chExt cx="8169528" cy="1360108"/>
+            </a:xfrm>
+            <a:solidFill>
+              <a:srgbClr val="E16B00"/>
+            </a:solidFill>
+          </p:grpSpPr>
+          <p:sp>
+            <p:nvSpPr>
+              <p:cNvPr id="71" name="Rectangle 70">
+                <a:extLst>
+                  <a:ext uri="{FF2B5EF4-FFF2-40B4-BE49-F238E27FC236}">
+                    <a16:creationId xmlns:a16="http://schemas.microsoft.com/office/drawing/2014/main" id="{A1BDDADA-F9D5-698F-3A82-ABD095FB3A30}"/>
+                  </a:ext>
+                </a:extLst>
+              </p:cNvPr>
+              <p:cNvSpPr/>
+              <p:nvPr/>
+            </p:nvSpPr>
+            <p:spPr>
+              <a:xfrm>
+                <a:off x="1463091" y="2364533"/>
+                <a:ext cx="8169528" cy="96832"/>
+              </a:xfrm>
+              <a:prstGeom prst="rect">
+                <a:avLst/>
+              </a:prstGeom>
+              <a:grpFill/>
+              <a:ln w="9525" cap="rnd">
+                <a:solidFill>
+                  <a:schemeClr val="tx1"/>
+                </a:solidFill>
+                <a:round/>
+              </a:ln>
+            </p:spPr>
+            <p:style>
+              <a:lnRef idx="2">
+                <a:schemeClr val="accent1">
+                  <a:shade val="50000"/>
+                </a:schemeClr>
+              </a:lnRef>
+              <a:fillRef idx="1">
+                <a:schemeClr val="accent1"/>
+              </a:fillRef>
+              <a:effectRef idx="0">
+                <a:schemeClr val="accent1"/>
+              </a:effectRef>
+              <a:fontRef idx="minor">
+                <a:schemeClr val="lt1"/>
+              </a:fontRef>
+            </p:style>
+            <p:txBody>
+              <a:bodyPr rtlCol="0" anchor="ctr"/>
+              <a:lstStyle/>
+              <a:p>
+                <a:pPr algn="ctr"/>
+                <a:endParaRPr lang="en-US" dirty="0"/>
+              </a:p>
+            </p:txBody>
+          </p:sp>
+          <p:sp>
+            <p:nvSpPr>
+              <p:cNvPr id="72" name="Rectangle 71">
+                <a:extLst>
+                  <a:ext uri="{FF2B5EF4-FFF2-40B4-BE49-F238E27FC236}">
+                    <a16:creationId xmlns:a16="http://schemas.microsoft.com/office/drawing/2014/main" id="{B6F3E52E-389D-5060-1D9B-CA6E0298569C}"/>
+                  </a:ext>
+                </a:extLst>
+              </p:cNvPr>
+              <p:cNvSpPr/>
+              <p:nvPr/>
+            </p:nvSpPr>
+            <p:spPr>
+              <a:xfrm>
+                <a:off x="1463091" y="2546826"/>
+                <a:ext cx="2492543" cy="96832"/>
+              </a:xfrm>
+              <a:prstGeom prst="rect">
+                <a:avLst/>
+              </a:prstGeom>
+              <a:grpFill/>
+              <a:ln w="9525" cap="rnd">
+                <a:solidFill>
+                  <a:schemeClr val="tx1"/>
+                </a:solidFill>
+                <a:round/>
+              </a:ln>
+            </p:spPr>
+            <p:style>
+              <a:lnRef idx="2">
+                <a:schemeClr val="accent1">
+                  <a:shade val="50000"/>
+                </a:schemeClr>
+              </a:lnRef>
+              <a:fillRef idx="1">
+                <a:schemeClr val="accent1"/>
+              </a:fillRef>
+              <a:effectRef idx="0">
+                <a:schemeClr val="accent1"/>
+              </a:effectRef>
+              <a:fontRef idx="minor">
+                <a:schemeClr val="lt1"/>
+              </a:fontRef>
+            </p:style>
+            <p:txBody>
+              <a:bodyPr rtlCol="0" anchor="ctr"/>
+              <a:lstStyle/>
+              <a:p>
+                <a:pPr algn="ctr"/>
+                <a:endParaRPr lang="en-US"/>
+              </a:p>
+            </p:txBody>
+          </p:sp>
+          <p:sp>
+            <p:nvSpPr>
+              <p:cNvPr id="73" name="Rectangle 72">
+                <a:extLst>
+                  <a:ext uri="{FF2B5EF4-FFF2-40B4-BE49-F238E27FC236}">
+                    <a16:creationId xmlns:a16="http://schemas.microsoft.com/office/drawing/2014/main" id="{DBDE8EC3-5C44-ACA2-F3E0-0D9C805F3590}"/>
+                  </a:ext>
+                </a:extLst>
+              </p:cNvPr>
+              <p:cNvSpPr/>
+              <p:nvPr/>
+            </p:nvSpPr>
+            <p:spPr>
+              <a:xfrm>
+                <a:off x="1463091" y="2733731"/>
+                <a:ext cx="8169528" cy="86735"/>
+              </a:xfrm>
+              <a:prstGeom prst="rect">
+                <a:avLst/>
+              </a:prstGeom>
+              <a:grpFill/>
+              <a:ln w="9525" cap="rnd">
+                <a:solidFill>
+                  <a:schemeClr val="tx1"/>
+                </a:solidFill>
+                <a:round/>
+              </a:ln>
+            </p:spPr>
+            <p:style>
+              <a:lnRef idx="2">
+                <a:schemeClr val="accent1">
+                  <a:shade val="50000"/>
+                </a:schemeClr>
+              </a:lnRef>
+              <a:fillRef idx="1">
+                <a:schemeClr val="accent1"/>
+              </a:fillRef>
+              <a:effectRef idx="0">
+                <a:schemeClr val="accent1"/>
+              </a:effectRef>
+              <a:fontRef idx="minor">
+                <a:schemeClr val="lt1"/>
+              </a:fontRef>
+            </p:style>
+            <p:txBody>
+              <a:bodyPr rtlCol="0" anchor="ctr"/>
+              <a:lstStyle/>
+              <a:p>
+                <a:pPr algn="ctr"/>
+                <a:endParaRPr lang="en-US"/>
+              </a:p>
+            </p:txBody>
+          </p:sp>
+          <p:sp>
+            <p:nvSpPr>
+              <p:cNvPr id="74" name="Rectangle 73">
+                <a:extLst>
+                  <a:ext uri="{FF2B5EF4-FFF2-40B4-BE49-F238E27FC236}">
+                    <a16:creationId xmlns:a16="http://schemas.microsoft.com/office/drawing/2014/main" id="{2A7DB89A-1461-AC64-F11D-58BB6B8F947F}"/>
+                  </a:ext>
+                </a:extLst>
+              </p:cNvPr>
+              <p:cNvSpPr/>
+              <p:nvPr/>
+            </p:nvSpPr>
+            <p:spPr>
+              <a:xfrm>
+                <a:off x="1463091" y="2895259"/>
+                <a:ext cx="8169528" cy="86735"/>
+              </a:xfrm>
+              <a:prstGeom prst="rect">
+                <a:avLst/>
+              </a:prstGeom>
+              <a:grpFill/>
+              <a:ln w="9525" cap="rnd">
+                <a:solidFill>
+                  <a:schemeClr val="tx1"/>
+                </a:solidFill>
+                <a:round/>
+              </a:ln>
+            </p:spPr>
+            <p:style>
+              <a:lnRef idx="2">
+                <a:schemeClr val="accent1">
+                  <a:shade val="50000"/>
+                </a:schemeClr>
+              </a:lnRef>
+              <a:fillRef idx="1">
+                <a:schemeClr val="accent1"/>
+              </a:fillRef>
+              <a:effectRef idx="0">
+                <a:schemeClr val="accent1"/>
+              </a:effectRef>
+              <a:fontRef idx="minor">
+                <a:schemeClr val="lt1"/>
+              </a:fontRef>
+            </p:style>
+            <p:txBody>
+              <a:bodyPr rtlCol="0" anchor="ctr"/>
+              <a:lstStyle/>
+              <a:p>
+                <a:pPr algn="ctr"/>
+                <a:endParaRPr lang="en-US"/>
+              </a:p>
+            </p:txBody>
+          </p:sp>
+          <p:sp>
+            <p:nvSpPr>
+              <p:cNvPr id="75" name="Rectangle 74">
+                <a:extLst>
+                  <a:ext uri="{FF2B5EF4-FFF2-40B4-BE49-F238E27FC236}">
+                    <a16:creationId xmlns:a16="http://schemas.microsoft.com/office/drawing/2014/main" id="{E6015827-3C42-DF7E-69DB-6F5EE4FC956E}"/>
+                  </a:ext>
+                </a:extLst>
+              </p:cNvPr>
+              <p:cNvSpPr/>
+              <p:nvPr/>
+            </p:nvSpPr>
+            <p:spPr>
+              <a:xfrm>
+                <a:off x="1463091" y="3084562"/>
+                <a:ext cx="8169528" cy="86735"/>
+              </a:xfrm>
+              <a:prstGeom prst="rect">
+                <a:avLst/>
+              </a:prstGeom>
+              <a:grpFill/>
+              <a:ln w="9525" cap="rnd">
+                <a:solidFill>
+                  <a:schemeClr val="tx1"/>
+                </a:solidFill>
+                <a:round/>
+              </a:ln>
+            </p:spPr>
+            <p:style>
+              <a:lnRef idx="2">
+                <a:schemeClr val="accent1">
+                  <a:shade val="50000"/>
+                </a:schemeClr>
+              </a:lnRef>
+              <a:fillRef idx="1">
+                <a:schemeClr val="accent1"/>
+              </a:fillRef>
+              <a:effectRef idx="0">
+                <a:schemeClr val="accent1"/>
+              </a:effectRef>
+              <a:fontRef idx="minor">
+                <a:schemeClr val="lt1"/>
+              </a:fontRef>
+            </p:style>
+            <p:txBody>
+              <a:bodyPr rtlCol="0" anchor="ctr"/>
+              <a:lstStyle/>
+              <a:p>
+                <a:pPr algn="ctr"/>
+                <a:endParaRPr lang="en-US"/>
+              </a:p>
+            </p:txBody>
+          </p:sp>
+          <p:sp>
+            <p:nvSpPr>
+              <p:cNvPr id="76" name="Rectangle 75">
+                <a:extLst>
+                  <a:ext uri="{FF2B5EF4-FFF2-40B4-BE49-F238E27FC236}">
+                    <a16:creationId xmlns:a16="http://schemas.microsoft.com/office/drawing/2014/main" id="{45BA4411-123D-3E8E-0BEB-72DC5096E544}"/>
+                  </a:ext>
+                </a:extLst>
+              </p:cNvPr>
+              <p:cNvSpPr/>
+              <p:nvPr/>
+            </p:nvSpPr>
+            <p:spPr>
+              <a:xfrm>
+                <a:off x="3955634" y="3244901"/>
+                <a:ext cx="5676985" cy="86735"/>
+              </a:xfrm>
+              <a:prstGeom prst="rect">
+                <a:avLst/>
+              </a:prstGeom>
+              <a:grpFill/>
+              <a:ln w="9525" cap="rnd">
+                <a:solidFill>
+                  <a:schemeClr val="tx1"/>
+                </a:solidFill>
+                <a:round/>
+              </a:ln>
+            </p:spPr>
+            <p:style>
+              <a:lnRef idx="2">
+                <a:schemeClr val="accent1">
+                  <a:shade val="50000"/>
+                </a:schemeClr>
+              </a:lnRef>
+              <a:fillRef idx="1">
+                <a:schemeClr val="accent1"/>
+              </a:fillRef>
+              <a:effectRef idx="0">
+                <a:schemeClr val="accent1"/>
+              </a:effectRef>
+              <a:fontRef idx="minor">
+                <a:schemeClr val="lt1"/>
+              </a:fontRef>
+            </p:style>
+            <p:txBody>
+              <a:bodyPr rtlCol="0" anchor="ctr"/>
+              <a:lstStyle/>
+              <a:p>
+                <a:pPr algn="ctr"/>
+                <a:endParaRPr lang="en-US"/>
+              </a:p>
+            </p:txBody>
+          </p:sp>
+          <p:sp>
+            <p:nvSpPr>
+              <p:cNvPr id="77" name="Rectangle 76">
+                <a:extLst>
+                  <a:ext uri="{FF2B5EF4-FFF2-40B4-BE49-F238E27FC236}">
+                    <a16:creationId xmlns:a16="http://schemas.microsoft.com/office/drawing/2014/main" id="{73E44F6B-37D7-DB2D-31A9-B1E97DFF7228}"/>
+                  </a:ext>
+                </a:extLst>
+              </p:cNvPr>
+              <p:cNvSpPr/>
+              <p:nvPr/>
+            </p:nvSpPr>
+            <p:spPr>
+              <a:xfrm>
+                <a:off x="5570514" y="3435424"/>
+                <a:ext cx="4062105" cy="86735"/>
+              </a:xfrm>
+              <a:prstGeom prst="rect">
+                <a:avLst/>
+              </a:prstGeom>
+              <a:grpFill/>
+              <a:ln w="9525" cap="rnd">
+                <a:solidFill>
+                  <a:schemeClr val="tx1"/>
+                </a:solidFill>
+                <a:round/>
+              </a:ln>
+            </p:spPr>
+            <p:style>
+              <a:lnRef idx="2">
+                <a:schemeClr val="accent1">
+                  <a:shade val="50000"/>
+                </a:schemeClr>
+              </a:lnRef>
+              <a:fillRef idx="1">
+                <a:schemeClr val="accent1"/>
+              </a:fillRef>
+              <a:effectRef idx="0">
+                <a:schemeClr val="accent1"/>
+              </a:effectRef>
+              <a:fontRef idx="minor">
+                <a:schemeClr val="lt1"/>
+              </a:fontRef>
+            </p:style>
+            <p:txBody>
+              <a:bodyPr rtlCol="0" anchor="ctr"/>
+              <a:lstStyle/>
+              <a:p>
+                <a:pPr algn="ctr"/>
+                <a:endParaRPr lang="en-US"/>
+              </a:p>
+            </p:txBody>
+          </p:sp>
+          <p:sp>
+            <p:nvSpPr>
+              <p:cNvPr id="78" name="Rectangle 77">
+                <a:extLst>
+                  <a:ext uri="{FF2B5EF4-FFF2-40B4-BE49-F238E27FC236}">
+                    <a16:creationId xmlns:a16="http://schemas.microsoft.com/office/drawing/2014/main" id="{BAA00B3A-ACDC-2ED1-4D54-D670A4190149}"/>
+                  </a:ext>
+                </a:extLst>
+              </p:cNvPr>
+              <p:cNvSpPr/>
+              <p:nvPr/>
+            </p:nvSpPr>
+            <p:spPr>
+              <a:xfrm>
+                <a:off x="1463091" y="3637906"/>
+                <a:ext cx="8169528" cy="86735"/>
+              </a:xfrm>
+              <a:prstGeom prst="rect">
+                <a:avLst/>
+              </a:prstGeom>
+              <a:grpFill/>
+              <a:ln w="9525" cap="rnd">
+                <a:solidFill>
+                  <a:schemeClr val="tx1"/>
+                </a:solidFill>
+                <a:round/>
+              </a:ln>
+            </p:spPr>
+            <p:style>
+              <a:lnRef idx="2">
+                <a:schemeClr val="accent1">
+                  <a:shade val="50000"/>
+                </a:schemeClr>
+              </a:lnRef>
+              <a:fillRef idx="1">
+                <a:schemeClr val="accent1"/>
+              </a:fillRef>
+              <a:effectRef idx="0">
+                <a:schemeClr val="accent1"/>
+              </a:effectRef>
+              <a:fontRef idx="minor">
+                <a:schemeClr val="lt1"/>
+              </a:fontRef>
+            </p:style>
+            <p:txBody>
+              <a:bodyPr rtlCol="0" anchor="ctr"/>
+              <a:lstStyle/>
+              <a:p>
+                <a:pPr algn="ctr"/>
+                <a:endParaRPr lang="en-US"/>
+              </a:p>
+            </p:txBody>
+          </p:sp>
+        </p:grpSp>
+        <p:grpSp>
+          <p:nvGrpSpPr>
+            <p:cNvPr id="79" name="Group 78">
+              <a:extLst>
+                <a:ext uri="{FF2B5EF4-FFF2-40B4-BE49-F238E27FC236}">
+                  <a16:creationId xmlns:a16="http://schemas.microsoft.com/office/drawing/2014/main" id="{F5E1833F-F230-BA9C-90F5-E934125646FF}"/>
+                </a:ext>
+              </a:extLst>
+            </p:cNvPr>
+            <p:cNvGrpSpPr/>
+            <p:nvPr/>
+          </p:nvGrpSpPr>
+          <p:grpSpPr>
+            <a:xfrm>
+              <a:off x="9603687" y="1699899"/>
+              <a:ext cx="378214" cy="1360108"/>
+              <a:chOff x="1463091" y="2364533"/>
+              <a:chExt cx="8169528" cy="1360108"/>
+            </a:xfrm>
+            <a:solidFill>
+              <a:srgbClr val="FFAF2D"/>
+            </a:solidFill>
+          </p:grpSpPr>
+          <p:sp>
+            <p:nvSpPr>
+              <p:cNvPr id="80" name="Rectangle 79">
+                <a:extLst>
+                  <a:ext uri="{FF2B5EF4-FFF2-40B4-BE49-F238E27FC236}">
+                    <a16:creationId xmlns:a16="http://schemas.microsoft.com/office/drawing/2014/main" id="{9D71C226-1B37-2A79-0F5B-5D3FAAD86683}"/>
+                  </a:ext>
+                </a:extLst>
+              </p:cNvPr>
+              <p:cNvSpPr/>
+              <p:nvPr/>
+            </p:nvSpPr>
+            <p:spPr>
+              <a:xfrm>
+                <a:off x="3334798" y="2364533"/>
+                <a:ext cx="6297799" cy="96832"/>
+              </a:xfrm>
+              <a:prstGeom prst="rect">
+                <a:avLst/>
+              </a:prstGeom>
+              <a:grpFill/>
+              <a:ln w="9525" cap="rnd">
+                <a:solidFill>
+                  <a:schemeClr val="tx1"/>
+                </a:solidFill>
+                <a:round/>
+              </a:ln>
+            </p:spPr>
+            <p:style>
+              <a:lnRef idx="2">
+                <a:schemeClr val="accent1">
+                  <a:shade val="50000"/>
+                </a:schemeClr>
+              </a:lnRef>
+              <a:fillRef idx="1">
+                <a:schemeClr val="accent1"/>
+              </a:fillRef>
+              <a:effectRef idx="0">
+                <a:schemeClr val="accent1"/>
+              </a:effectRef>
+              <a:fontRef idx="minor">
+                <a:schemeClr val="lt1"/>
+              </a:fontRef>
+            </p:style>
+            <p:txBody>
+              <a:bodyPr rtlCol="0" anchor="ctr"/>
+              <a:lstStyle/>
+              <a:p>
+                <a:pPr algn="ctr"/>
+                <a:endParaRPr lang="en-US" dirty="0"/>
+              </a:p>
+            </p:txBody>
+          </p:sp>
+          <p:sp>
+            <p:nvSpPr>
+              <p:cNvPr id="81" name="Rectangle 80">
+                <a:extLst>
+                  <a:ext uri="{FF2B5EF4-FFF2-40B4-BE49-F238E27FC236}">
+                    <a16:creationId xmlns:a16="http://schemas.microsoft.com/office/drawing/2014/main" id="{91208E15-4BFB-2237-8FB9-CEFFFA7B5B2B}"/>
+                  </a:ext>
+                </a:extLst>
+              </p:cNvPr>
+              <p:cNvSpPr/>
+              <p:nvPr/>
+            </p:nvSpPr>
+            <p:spPr>
+              <a:xfrm>
+                <a:off x="1463091" y="2546826"/>
+                <a:ext cx="8169528" cy="86734"/>
+              </a:xfrm>
+              <a:prstGeom prst="rect">
+                <a:avLst/>
+              </a:prstGeom>
+              <a:grpFill/>
+              <a:ln w="9525" cap="rnd">
+                <a:solidFill>
+                  <a:schemeClr val="tx1"/>
+                </a:solidFill>
+                <a:round/>
+              </a:ln>
+            </p:spPr>
+            <p:style>
+              <a:lnRef idx="2">
+                <a:schemeClr val="accent1">
+                  <a:shade val="50000"/>
+                </a:schemeClr>
+              </a:lnRef>
+              <a:fillRef idx="1">
+                <a:schemeClr val="accent1"/>
+              </a:fillRef>
+              <a:effectRef idx="0">
+                <a:schemeClr val="accent1"/>
+              </a:effectRef>
+              <a:fontRef idx="minor">
+                <a:schemeClr val="lt1"/>
+              </a:fontRef>
+            </p:style>
+            <p:txBody>
+              <a:bodyPr rtlCol="0" anchor="ctr"/>
+              <a:lstStyle/>
+              <a:p>
+                <a:pPr algn="ctr"/>
+                <a:endParaRPr lang="en-US"/>
+              </a:p>
+            </p:txBody>
+          </p:sp>
+          <p:sp>
+            <p:nvSpPr>
+              <p:cNvPr id="82" name="Rectangle 81">
+                <a:extLst>
+                  <a:ext uri="{FF2B5EF4-FFF2-40B4-BE49-F238E27FC236}">
+                    <a16:creationId xmlns:a16="http://schemas.microsoft.com/office/drawing/2014/main" id="{3D798419-F808-9F5F-6E67-7EBD43055A7F}"/>
+                  </a:ext>
+                </a:extLst>
+              </p:cNvPr>
+              <p:cNvSpPr/>
+              <p:nvPr/>
+            </p:nvSpPr>
+            <p:spPr>
+              <a:xfrm>
+                <a:off x="1463091" y="2733732"/>
+                <a:ext cx="6964816" cy="86734"/>
+              </a:xfrm>
+              <a:prstGeom prst="rect">
+                <a:avLst/>
+              </a:prstGeom>
+              <a:grpFill/>
+              <a:ln w="9525" cap="rnd">
+                <a:solidFill>
+                  <a:schemeClr val="tx1"/>
+                </a:solidFill>
+                <a:round/>
+              </a:ln>
+            </p:spPr>
+            <p:style>
+              <a:lnRef idx="2">
+                <a:schemeClr val="accent1">
+                  <a:shade val="50000"/>
+                </a:schemeClr>
+              </a:lnRef>
+              <a:fillRef idx="1">
+                <a:schemeClr val="accent1"/>
+              </a:fillRef>
+              <a:effectRef idx="0">
+                <a:schemeClr val="accent1"/>
+              </a:effectRef>
+              <a:fontRef idx="minor">
+                <a:schemeClr val="lt1"/>
+              </a:fontRef>
+            </p:style>
+            <p:txBody>
+              <a:bodyPr rtlCol="0" anchor="ctr"/>
+              <a:lstStyle/>
+              <a:p>
+                <a:pPr algn="ctr"/>
+                <a:endParaRPr lang="en-US"/>
+              </a:p>
+            </p:txBody>
+          </p:sp>
+          <p:sp>
+            <p:nvSpPr>
+              <p:cNvPr id="83" name="Rectangle 82">
+                <a:extLst>
+                  <a:ext uri="{FF2B5EF4-FFF2-40B4-BE49-F238E27FC236}">
+                    <a16:creationId xmlns:a16="http://schemas.microsoft.com/office/drawing/2014/main" id="{50A33364-8740-BB06-5236-6342EF8DCD9E}"/>
+                  </a:ext>
+                </a:extLst>
+              </p:cNvPr>
+              <p:cNvSpPr/>
+              <p:nvPr/>
+            </p:nvSpPr>
+            <p:spPr>
+              <a:xfrm>
+                <a:off x="1463091" y="2895259"/>
+                <a:ext cx="8169528" cy="86735"/>
+              </a:xfrm>
+              <a:prstGeom prst="rect">
+                <a:avLst/>
+              </a:prstGeom>
+              <a:grpFill/>
+              <a:ln w="9525" cap="rnd">
+                <a:solidFill>
+                  <a:schemeClr val="tx1"/>
+                </a:solidFill>
+                <a:round/>
+              </a:ln>
+            </p:spPr>
+            <p:style>
+              <a:lnRef idx="2">
+                <a:schemeClr val="accent1">
+                  <a:shade val="50000"/>
+                </a:schemeClr>
+              </a:lnRef>
+              <a:fillRef idx="1">
+                <a:schemeClr val="accent1"/>
+              </a:fillRef>
+              <a:effectRef idx="0">
+                <a:schemeClr val="accent1"/>
+              </a:effectRef>
+              <a:fontRef idx="minor">
+                <a:schemeClr val="lt1"/>
+              </a:fontRef>
+            </p:style>
+            <p:txBody>
+              <a:bodyPr rtlCol="0" anchor="ctr"/>
+              <a:lstStyle/>
+              <a:p>
+                <a:pPr algn="ctr"/>
+                <a:endParaRPr lang="en-US"/>
+              </a:p>
+            </p:txBody>
+          </p:sp>
+          <p:sp>
+            <p:nvSpPr>
+              <p:cNvPr id="84" name="Rectangle 83">
+                <a:extLst>
+                  <a:ext uri="{FF2B5EF4-FFF2-40B4-BE49-F238E27FC236}">
+                    <a16:creationId xmlns:a16="http://schemas.microsoft.com/office/drawing/2014/main" id="{F4BF8A5F-7BBF-0C1A-0FEF-18A11231DD5B}"/>
+                  </a:ext>
+                </a:extLst>
+              </p:cNvPr>
+              <p:cNvSpPr/>
+              <p:nvPr/>
+            </p:nvSpPr>
+            <p:spPr>
+              <a:xfrm>
+                <a:off x="3334798" y="3084562"/>
+                <a:ext cx="6297821" cy="86735"/>
+              </a:xfrm>
+              <a:prstGeom prst="rect">
+                <a:avLst/>
+              </a:prstGeom>
+              <a:grpFill/>
+              <a:ln w="9525" cap="rnd">
+                <a:solidFill>
+                  <a:schemeClr val="tx1"/>
+                </a:solidFill>
+                <a:round/>
+              </a:ln>
+            </p:spPr>
+            <p:style>
+              <a:lnRef idx="2">
+                <a:schemeClr val="accent1">
+                  <a:shade val="50000"/>
+                </a:schemeClr>
+              </a:lnRef>
+              <a:fillRef idx="1">
+                <a:schemeClr val="accent1"/>
+              </a:fillRef>
+              <a:effectRef idx="0">
+                <a:schemeClr val="accent1"/>
+              </a:effectRef>
+              <a:fontRef idx="minor">
+                <a:schemeClr val="lt1"/>
+              </a:fontRef>
+            </p:style>
+            <p:txBody>
+              <a:bodyPr rtlCol="0" anchor="ctr"/>
+              <a:lstStyle/>
+              <a:p>
+                <a:pPr algn="ctr"/>
+                <a:endParaRPr lang="en-US"/>
+              </a:p>
+            </p:txBody>
+          </p:sp>
+          <p:sp>
+            <p:nvSpPr>
+              <p:cNvPr id="85" name="Rectangle 84">
+                <a:extLst>
+                  <a:ext uri="{FF2B5EF4-FFF2-40B4-BE49-F238E27FC236}">
+                    <a16:creationId xmlns:a16="http://schemas.microsoft.com/office/drawing/2014/main" id="{2B2F8E97-794C-6427-D2A7-A6D2F180450F}"/>
+                  </a:ext>
+                </a:extLst>
+              </p:cNvPr>
+              <p:cNvSpPr/>
+              <p:nvPr/>
+            </p:nvSpPr>
+            <p:spPr>
+              <a:xfrm>
+                <a:off x="1463091" y="3244901"/>
+                <a:ext cx="8169528" cy="86735"/>
+              </a:xfrm>
+              <a:prstGeom prst="rect">
+                <a:avLst/>
+              </a:prstGeom>
+              <a:grpFill/>
+              <a:ln w="9525" cap="rnd">
+                <a:solidFill>
+                  <a:schemeClr val="tx1"/>
+                </a:solidFill>
+                <a:round/>
+              </a:ln>
+            </p:spPr>
+            <p:style>
+              <a:lnRef idx="2">
+                <a:schemeClr val="accent1">
+                  <a:shade val="50000"/>
+                </a:schemeClr>
+              </a:lnRef>
+              <a:fillRef idx="1">
+                <a:schemeClr val="accent1"/>
+              </a:fillRef>
+              <a:effectRef idx="0">
+                <a:schemeClr val="accent1"/>
+              </a:effectRef>
+              <a:fontRef idx="minor">
+                <a:schemeClr val="lt1"/>
+              </a:fontRef>
+            </p:style>
+            <p:txBody>
+              <a:bodyPr rtlCol="0" anchor="ctr"/>
+              <a:lstStyle/>
+              <a:p>
+                <a:pPr algn="ctr"/>
+                <a:endParaRPr lang="en-US"/>
+              </a:p>
+            </p:txBody>
+          </p:sp>
+          <p:sp>
+            <p:nvSpPr>
+              <p:cNvPr id="86" name="Rectangle 85">
+                <a:extLst>
+                  <a:ext uri="{FF2B5EF4-FFF2-40B4-BE49-F238E27FC236}">
+                    <a16:creationId xmlns:a16="http://schemas.microsoft.com/office/drawing/2014/main" id="{3C2C6799-5E86-0581-0369-D06CA4F2E169}"/>
+                  </a:ext>
+                </a:extLst>
+              </p:cNvPr>
+              <p:cNvSpPr/>
+              <p:nvPr/>
+            </p:nvSpPr>
+            <p:spPr>
+              <a:xfrm>
+                <a:off x="1463091" y="3435424"/>
+                <a:ext cx="8169528" cy="86735"/>
+              </a:xfrm>
+              <a:prstGeom prst="rect">
+                <a:avLst/>
+              </a:prstGeom>
+              <a:grpFill/>
+              <a:ln w="9525" cap="rnd">
+                <a:solidFill>
+                  <a:schemeClr val="tx1"/>
+                </a:solidFill>
+                <a:round/>
+              </a:ln>
+            </p:spPr>
+            <p:style>
+              <a:lnRef idx="2">
+                <a:schemeClr val="accent1">
+                  <a:shade val="50000"/>
+                </a:schemeClr>
+              </a:lnRef>
+              <a:fillRef idx="1">
+                <a:schemeClr val="accent1"/>
+              </a:fillRef>
+              <a:effectRef idx="0">
+                <a:schemeClr val="accent1"/>
+              </a:effectRef>
+              <a:fontRef idx="minor">
+                <a:schemeClr val="lt1"/>
+              </a:fontRef>
+            </p:style>
+            <p:txBody>
+              <a:bodyPr rtlCol="0" anchor="ctr"/>
+              <a:lstStyle/>
+              <a:p>
+                <a:pPr algn="ctr"/>
+                <a:endParaRPr lang="en-US"/>
+              </a:p>
+            </p:txBody>
+          </p:sp>
+          <p:sp>
+            <p:nvSpPr>
+              <p:cNvPr id="87" name="Rectangle 86">
+                <a:extLst>
+                  <a:ext uri="{FF2B5EF4-FFF2-40B4-BE49-F238E27FC236}">
+                    <a16:creationId xmlns:a16="http://schemas.microsoft.com/office/drawing/2014/main" id="{5FE80C04-38F6-621E-8C3E-D23A6E156228}"/>
+                  </a:ext>
+                </a:extLst>
+              </p:cNvPr>
+              <p:cNvSpPr/>
+              <p:nvPr/>
+            </p:nvSpPr>
+            <p:spPr>
+              <a:xfrm>
+                <a:off x="1463091" y="3637906"/>
+                <a:ext cx="8169528" cy="86735"/>
+              </a:xfrm>
+              <a:prstGeom prst="rect">
+                <a:avLst/>
+              </a:prstGeom>
+              <a:grpFill/>
+              <a:ln w="9525" cap="rnd">
+                <a:solidFill>
+                  <a:schemeClr val="tx1"/>
+                </a:solidFill>
+                <a:round/>
+              </a:ln>
+            </p:spPr>
+            <p:style>
+              <a:lnRef idx="2">
+                <a:schemeClr val="accent1">
+                  <a:shade val="50000"/>
+                </a:schemeClr>
+              </a:lnRef>
+              <a:fillRef idx="1">
+                <a:schemeClr val="accent1"/>
+              </a:fillRef>
+              <a:effectRef idx="0">
+                <a:schemeClr val="accent1"/>
+              </a:effectRef>
+              <a:fontRef idx="minor">
+                <a:schemeClr val="lt1"/>
+              </a:fontRef>
+            </p:style>
+            <p:txBody>
+              <a:bodyPr rtlCol="0" anchor="ctr"/>
+              <a:lstStyle/>
+              <a:p>
+                <a:pPr algn="ctr"/>
+                <a:endParaRPr lang="en-US"/>
+              </a:p>
+            </p:txBody>
+          </p:sp>
+        </p:grpSp>
+        <p:sp>
+          <p:nvSpPr>
+            <p:cNvPr id="88" name="Rectangle 87">
+              <a:extLst>
+                <a:ext uri="{FF2B5EF4-FFF2-40B4-BE49-F238E27FC236}">
+                  <a16:creationId xmlns:a16="http://schemas.microsoft.com/office/drawing/2014/main" id="{E5160E6F-E557-519A-2D9C-CEF0FA7D2993}"/>
                 </a:ext>
               </a:extLst>
             </p:cNvPr>
@@ -3358,67 +5593,16 @@
           </p:nvSpPr>
           <p:spPr>
             <a:xfrm>
-              <a:off x="1463091" y="2364533"/>
-              <a:ext cx="8169528" cy="96832"/>
+              <a:off x="7901795" y="2770790"/>
+              <a:ext cx="335318" cy="86735"/>
             </a:xfrm>
             <a:prstGeom prst="rect">
               <a:avLst/>
             </a:prstGeom>
-            <a:grpFill/>
-            <a:ln cap="rnd">
-              <a:solidFill>
-                <a:schemeClr val="tx1"/>
-              </a:solidFill>
-              <a:round/>
-            </a:ln>
-          </p:spPr>
-          <p:style>
-            <a:lnRef idx="2">
-              <a:schemeClr val="accent1">
-                <a:shade val="50000"/>
-              </a:schemeClr>
-            </a:lnRef>
-            <a:fillRef idx="1">
-              <a:schemeClr val="accent1"/>
-            </a:fillRef>
-            <a:effectRef idx="0">
-              <a:schemeClr val="accent1"/>
-            </a:effectRef>
-            <a:fontRef idx="minor">
-              <a:schemeClr val="lt1"/>
-            </a:fontRef>
-          </p:style>
-          <p:txBody>
-            <a:bodyPr rtlCol="0" anchor="ctr"/>
-            <a:lstStyle/>
-            <a:p>
-              <a:pPr algn="ctr"/>
-              <a:endParaRPr lang="en-US" dirty="0"/>
-            </a:p>
-          </p:txBody>
-        </p:sp>
-        <p:sp>
-          <p:nvSpPr>
-            <p:cNvPr id="30" name="Rectangle 29">
-              <a:extLst>
-                <a:ext uri="{FF2B5EF4-FFF2-40B4-BE49-F238E27FC236}">
-                  <a16:creationId xmlns:a16="http://schemas.microsoft.com/office/drawing/2014/main" id="{A4A96329-EB97-2815-0E17-BFD68B495D52}"/>
-                </a:ext>
-              </a:extLst>
-            </p:cNvPr>
-            <p:cNvSpPr/>
-            <p:nvPr/>
-          </p:nvSpPr>
-          <p:spPr>
-            <a:xfrm>
-              <a:off x="1463091" y="2546826"/>
-              <a:ext cx="8169528" cy="86734"/>
-            </a:xfrm>
-            <a:prstGeom prst="rect">
-              <a:avLst/>
-            </a:prstGeom>
-            <a:grpFill/>
-            <a:ln cap="rnd">
+            <a:solidFill>
+              <a:srgbClr val="5A3D2B"/>
+            </a:solidFill>
+            <a:ln w="9525" cap="rnd">
               <a:solidFill>
                 <a:schemeClr val="tx1"/>
               </a:solidFill>
@@ -3452,2211 +5636,48 @@
         </p:sp>
         <p:sp>
           <p:nvSpPr>
-            <p:cNvPr id="31" name="Rectangle 30">
+            <p:cNvPr id="89" name="TextBox 88">
               <a:extLst>
                 <a:ext uri="{FF2B5EF4-FFF2-40B4-BE49-F238E27FC236}">
-                  <a16:creationId xmlns:a16="http://schemas.microsoft.com/office/drawing/2014/main" id="{7DB22083-61EC-FE02-C699-1C72374CDA69}"/>
+                  <a16:creationId xmlns:a16="http://schemas.microsoft.com/office/drawing/2014/main" id="{BBFD1D71-F8EA-D79C-9802-D78110191204}"/>
                 </a:ext>
               </a:extLst>
             </p:cNvPr>
-            <p:cNvSpPr/>
+            <p:cNvSpPr txBox="1"/>
             <p:nvPr/>
           </p:nvSpPr>
           <p:spPr>
             <a:xfrm>
-              <a:off x="1463091" y="2733731"/>
-              <a:ext cx="6392382" cy="96832"/>
+              <a:off x="2253641" y="2598342"/>
+              <a:ext cx="4793300" cy="461665"/>
             </a:xfrm>
             <a:prstGeom prst="rect">
               <a:avLst/>
             </a:prstGeom>
-            <a:grpFill/>
-            <a:ln cap="rnd">
-              <a:solidFill>
-                <a:schemeClr val="tx1"/>
-              </a:solidFill>
-              <a:round/>
-            </a:ln>
+            <a:noFill/>
           </p:spPr>
-          <p:style>
-            <a:lnRef idx="2">
-              <a:schemeClr val="accent1">
-                <a:shade val="50000"/>
-              </a:schemeClr>
-            </a:lnRef>
-            <a:fillRef idx="1">
-              <a:schemeClr val="accent1"/>
-            </a:fillRef>
-            <a:effectRef idx="0">
-              <a:schemeClr val="accent1"/>
-            </a:effectRef>
-            <a:fontRef idx="minor">
-              <a:schemeClr val="lt1"/>
-            </a:fontRef>
-          </p:style>
           <p:txBody>
-            <a:bodyPr rtlCol="0" anchor="ctr"/>
+            <a:bodyPr wrap="none" rtlCol="0">
+              <a:spAutoFit/>
+            </a:bodyPr>
             <a:lstStyle/>
             <a:p>
-              <a:pPr algn="ctr"/>
-              <a:endParaRPr lang="en-US"/>
-            </a:p>
-          </p:txBody>
-        </p:sp>
-        <p:sp>
-          <p:nvSpPr>
-            <p:cNvPr id="32" name="Rectangle 31">
-              <a:extLst>
-                <a:ext uri="{FF2B5EF4-FFF2-40B4-BE49-F238E27FC236}">
-                  <a16:creationId xmlns:a16="http://schemas.microsoft.com/office/drawing/2014/main" id="{722788F4-EE59-CDE4-A6EC-EE05D14F5F48}"/>
-                </a:ext>
-              </a:extLst>
-            </p:cNvPr>
-            <p:cNvSpPr/>
-            <p:nvPr/>
-          </p:nvSpPr>
-          <p:spPr>
-            <a:xfrm>
-              <a:off x="1463091" y="2895259"/>
-              <a:ext cx="8169528" cy="86735"/>
-            </a:xfrm>
-            <a:prstGeom prst="rect">
-              <a:avLst/>
-            </a:prstGeom>
-            <a:grpFill/>
-            <a:ln cap="rnd">
-              <a:solidFill>
-                <a:schemeClr val="tx1"/>
-              </a:solidFill>
-              <a:round/>
-            </a:ln>
-          </p:spPr>
-          <p:style>
-            <a:lnRef idx="2">
-              <a:schemeClr val="accent1">
-                <a:shade val="50000"/>
-              </a:schemeClr>
-            </a:lnRef>
-            <a:fillRef idx="1">
-              <a:schemeClr val="accent1"/>
-            </a:fillRef>
-            <a:effectRef idx="0">
-              <a:schemeClr val="accent1"/>
-            </a:effectRef>
-            <a:fontRef idx="minor">
-              <a:schemeClr val="lt1"/>
-            </a:fontRef>
-          </p:style>
-          <p:txBody>
-            <a:bodyPr rtlCol="0" anchor="ctr"/>
-            <a:lstStyle/>
-            <a:p>
-              <a:pPr algn="ctr"/>
-              <a:endParaRPr lang="en-US"/>
-            </a:p>
-          </p:txBody>
-        </p:sp>
-        <p:sp>
-          <p:nvSpPr>
-            <p:cNvPr id="33" name="Rectangle 32">
-              <a:extLst>
-                <a:ext uri="{FF2B5EF4-FFF2-40B4-BE49-F238E27FC236}">
-                  <a16:creationId xmlns:a16="http://schemas.microsoft.com/office/drawing/2014/main" id="{B3AB06E3-BEDC-C417-3792-DB498DEE7924}"/>
-                </a:ext>
-              </a:extLst>
-            </p:cNvPr>
-            <p:cNvSpPr/>
-            <p:nvPr/>
-          </p:nvSpPr>
-          <p:spPr>
-            <a:xfrm>
-              <a:off x="1463113" y="3084562"/>
-              <a:ext cx="3704242" cy="86735"/>
-            </a:xfrm>
-            <a:prstGeom prst="rect">
-              <a:avLst/>
-            </a:prstGeom>
-            <a:grpFill/>
-            <a:ln cap="rnd">
-              <a:solidFill>
-                <a:schemeClr val="tx1"/>
-              </a:solidFill>
-              <a:round/>
-            </a:ln>
-          </p:spPr>
-          <p:style>
-            <a:lnRef idx="2">
-              <a:schemeClr val="accent1">
-                <a:shade val="50000"/>
-              </a:schemeClr>
-            </a:lnRef>
-            <a:fillRef idx="1">
-              <a:schemeClr val="accent1"/>
-            </a:fillRef>
-            <a:effectRef idx="0">
-              <a:schemeClr val="accent1"/>
-            </a:effectRef>
-            <a:fontRef idx="minor">
-              <a:schemeClr val="lt1"/>
-            </a:fontRef>
-          </p:style>
-          <p:txBody>
-            <a:bodyPr rtlCol="0" anchor="ctr"/>
-            <a:lstStyle/>
-            <a:p>
-              <a:pPr algn="ctr"/>
-              <a:endParaRPr lang="en-US"/>
-            </a:p>
-          </p:txBody>
-        </p:sp>
-        <p:sp>
-          <p:nvSpPr>
-            <p:cNvPr id="34" name="Rectangle 33">
-              <a:extLst>
-                <a:ext uri="{FF2B5EF4-FFF2-40B4-BE49-F238E27FC236}">
-                  <a16:creationId xmlns:a16="http://schemas.microsoft.com/office/drawing/2014/main" id="{D0884E71-8009-2725-70F4-4D6BA2CA4842}"/>
-                </a:ext>
-              </a:extLst>
-            </p:cNvPr>
-            <p:cNvSpPr/>
-            <p:nvPr/>
-          </p:nvSpPr>
-          <p:spPr>
-            <a:xfrm>
-              <a:off x="1463091" y="3244901"/>
-              <a:ext cx="8169528" cy="86735"/>
-            </a:xfrm>
-            <a:prstGeom prst="rect">
-              <a:avLst/>
-            </a:prstGeom>
-            <a:grpFill/>
-            <a:ln cap="rnd">
-              <a:solidFill>
-                <a:schemeClr val="tx1"/>
-              </a:solidFill>
-              <a:round/>
-            </a:ln>
-          </p:spPr>
-          <p:style>
-            <a:lnRef idx="2">
-              <a:schemeClr val="accent1">
-                <a:shade val="50000"/>
-              </a:schemeClr>
-            </a:lnRef>
-            <a:fillRef idx="1">
-              <a:schemeClr val="accent1"/>
-            </a:fillRef>
-            <a:effectRef idx="0">
-              <a:schemeClr val="accent1"/>
-            </a:effectRef>
-            <a:fontRef idx="minor">
-              <a:schemeClr val="lt1"/>
-            </a:fontRef>
-          </p:style>
-          <p:txBody>
-            <a:bodyPr rtlCol="0" anchor="ctr"/>
-            <a:lstStyle/>
-            <a:p>
-              <a:pPr algn="ctr"/>
-              <a:endParaRPr lang="en-US"/>
-            </a:p>
-          </p:txBody>
-        </p:sp>
-        <p:sp>
-          <p:nvSpPr>
-            <p:cNvPr id="35" name="Rectangle 34">
-              <a:extLst>
-                <a:ext uri="{FF2B5EF4-FFF2-40B4-BE49-F238E27FC236}">
-                  <a16:creationId xmlns:a16="http://schemas.microsoft.com/office/drawing/2014/main" id="{2EEFD9D3-F9FE-0DCB-5DF4-7ADCFBAFEAE7}"/>
-                </a:ext>
-              </a:extLst>
-            </p:cNvPr>
-            <p:cNvSpPr/>
-            <p:nvPr/>
-          </p:nvSpPr>
-          <p:spPr>
-            <a:xfrm>
-              <a:off x="1463091" y="3435424"/>
-              <a:ext cx="8169528" cy="86735"/>
-            </a:xfrm>
-            <a:prstGeom prst="rect">
-              <a:avLst/>
-            </a:prstGeom>
-            <a:grpFill/>
-            <a:ln cap="rnd">
-              <a:solidFill>
-                <a:schemeClr val="tx1"/>
-              </a:solidFill>
-              <a:round/>
-            </a:ln>
-          </p:spPr>
-          <p:style>
-            <a:lnRef idx="2">
-              <a:schemeClr val="accent1">
-                <a:shade val="50000"/>
-              </a:schemeClr>
-            </a:lnRef>
-            <a:fillRef idx="1">
-              <a:schemeClr val="accent1"/>
-            </a:fillRef>
-            <a:effectRef idx="0">
-              <a:schemeClr val="accent1"/>
-            </a:effectRef>
-            <a:fontRef idx="minor">
-              <a:schemeClr val="lt1"/>
-            </a:fontRef>
-          </p:style>
-          <p:txBody>
-            <a:bodyPr rtlCol="0" anchor="ctr"/>
-            <a:lstStyle/>
-            <a:p>
-              <a:pPr algn="ctr"/>
-              <a:endParaRPr lang="en-US"/>
-            </a:p>
-          </p:txBody>
-        </p:sp>
-        <p:sp>
-          <p:nvSpPr>
-            <p:cNvPr id="36" name="Rectangle 35">
-              <a:extLst>
-                <a:ext uri="{FF2B5EF4-FFF2-40B4-BE49-F238E27FC236}">
-                  <a16:creationId xmlns:a16="http://schemas.microsoft.com/office/drawing/2014/main" id="{CCE1F5CB-40D4-0A19-A795-FD7C8A642B70}"/>
-                </a:ext>
-              </a:extLst>
-            </p:cNvPr>
-            <p:cNvSpPr/>
-            <p:nvPr/>
-          </p:nvSpPr>
-          <p:spPr>
-            <a:xfrm>
-              <a:off x="1463091" y="3637906"/>
-              <a:ext cx="8169528" cy="86735"/>
-            </a:xfrm>
-            <a:prstGeom prst="rect">
-              <a:avLst/>
-            </a:prstGeom>
-            <a:grpFill/>
-            <a:ln cap="rnd">
-              <a:solidFill>
-                <a:schemeClr val="tx1"/>
-              </a:solidFill>
-              <a:round/>
-            </a:ln>
-          </p:spPr>
-          <p:style>
-            <a:lnRef idx="2">
-              <a:schemeClr val="accent1">
-                <a:shade val="50000"/>
-              </a:schemeClr>
-            </a:lnRef>
-            <a:fillRef idx="1">
-              <a:schemeClr val="accent1"/>
-            </a:fillRef>
-            <a:effectRef idx="0">
-              <a:schemeClr val="accent1"/>
-            </a:effectRef>
-            <a:fontRef idx="minor">
-              <a:schemeClr val="lt1"/>
-            </a:fontRef>
-          </p:style>
-          <p:txBody>
-            <a:bodyPr rtlCol="0" anchor="ctr"/>
-            <a:lstStyle/>
-            <a:p>
-              <a:pPr algn="ctr"/>
-              <a:endParaRPr lang="en-US"/>
+              <a:r>
+                <a:rPr lang="en-US" sz="2400" b="1" dirty="0">
+                  <a:solidFill>
+                    <a:schemeClr val="bg1">
+                      <a:lumMod val="50000"/>
+                    </a:schemeClr>
+                  </a:solidFill>
+                  <a:latin typeface="Andale Mono" panose="020B0509000000000004" pitchFamily="49" charset="0"/>
+                  <a:cs typeface="Aldhabi" panose="020F0502020204030204" pitchFamily="34" charset="0"/>
+                </a:rPr>
+                <a:t>for phylogenetic datasets</a:t>
+              </a:r>
             </a:p>
           </p:txBody>
         </p:sp>
       </p:grpSp>
-      <p:sp>
-        <p:nvSpPr>
-          <p:cNvPr id="28" name="TextBox 27">
-            <a:extLst>
-              <a:ext uri="{FF2B5EF4-FFF2-40B4-BE49-F238E27FC236}">
-                <a16:creationId xmlns:a16="http://schemas.microsoft.com/office/drawing/2014/main" id="{F13727A6-0AC4-431E-F9EA-5F705DEDF688}"/>
-              </a:ext>
-            </a:extLst>
-          </p:cNvPr>
-          <p:cNvSpPr txBox="1"/>
-          <p:nvPr/>
-        </p:nvSpPr>
-        <p:spPr>
-          <a:xfrm>
-            <a:off x="1946456" y="1607971"/>
-            <a:ext cx="5304475" cy="1015663"/>
-          </a:xfrm>
-          <a:prstGeom prst="rect">
-            <a:avLst/>
-          </a:prstGeom>
-          <a:noFill/>
-        </p:spPr>
-        <p:txBody>
-          <a:bodyPr wrap="square" rtlCol="0">
-            <a:spAutoFit/>
-          </a:bodyPr>
-          <a:lstStyle/>
-          <a:p>
-            <a:pPr algn="ctr"/>
-            <a:r>
-              <a:rPr lang="en-US" sz="6000" b="1" dirty="0" err="1">
-                <a:solidFill>
-                  <a:srgbClr val="002060"/>
-                </a:solidFill>
-                <a:latin typeface="Nordique Inline" panose="020F0502020204030204" pitchFamily="34" charset="0"/>
-                <a:ea typeface="Geneva" panose="020B0503030404040204" pitchFamily="34" charset="0"/>
-                <a:cs typeface="Nordique Inline" panose="020F0502020204030204" pitchFamily="34" charset="0"/>
-              </a:rPr>
-              <a:t>SuperCRUNCH</a:t>
-            </a:r>
-            <a:endParaRPr lang="en-US" sz="6000" b="1" dirty="0">
-              <a:solidFill>
-                <a:srgbClr val="002060"/>
-              </a:solidFill>
-              <a:latin typeface="Nordique Inline" panose="020F0502020204030204" pitchFamily="34" charset="0"/>
-              <a:ea typeface="Geneva" panose="020B0503030404040204" pitchFamily="34" charset="0"/>
-              <a:cs typeface="Nordique Inline" panose="020F0502020204030204" pitchFamily="34" charset="0"/>
-            </a:endParaRPr>
-          </a:p>
-        </p:txBody>
-      </p:sp>
-      <p:grpSp>
-        <p:nvGrpSpPr>
-          <p:cNvPr id="52" name="Group 51">
-            <a:extLst>
-              <a:ext uri="{FF2B5EF4-FFF2-40B4-BE49-F238E27FC236}">
-                <a16:creationId xmlns:a16="http://schemas.microsoft.com/office/drawing/2014/main" id="{DE048C00-241E-AA79-4EA3-9C4CEB8CD857}"/>
-              </a:ext>
-            </a:extLst>
-          </p:cNvPr>
-          <p:cNvGrpSpPr/>
-          <p:nvPr/>
-        </p:nvGrpSpPr>
-        <p:grpSpPr>
-          <a:xfrm>
-            <a:off x="7858899" y="1699899"/>
-            <a:ext cx="378214" cy="1360108"/>
-            <a:chOff x="1463091" y="2364533"/>
-            <a:chExt cx="8169528" cy="1360108"/>
-          </a:xfrm>
-          <a:solidFill>
-            <a:srgbClr val="5A3D2B"/>
-          </a:solidFill>
-        </p:grpSpPr>
-        <p:sp>
-          <p:nvSpPr>
-            <p:cNvPr id="53" name="Rectangle 52">
-              <a:extLst>
-                <a:ext uri="{FF2B5EF4-FFF2-40B4-BE49-F238E27FC236}">
-                  <a16:creationId xmlns:a16="http://schemas.microsoft.com/office/drawing/2014/main" id="{B52F8D83-DB6A-6EAE-D6B2-0EF8FED9A6BC}"/>
-                </a:ext>
-              </a:extLst>
-            </p:cNvPr>
-            <p:cNvSpPr/>
-            <p:nvPr/>
-          </p:nvSpPr>
-          <p:spPr>
-            <a:xfrm>
-              <a:off x="2389657" y="2364533"/>
-              <a:ext cx="7242941" cy="96832"/>
-            </a:xfrm>
-            <a:prstGeom prst="rect">
-              <a:avLst/>
-            </a:prstGeom>
-            <a:grpFill/>
-            <a:ln cap="rnd">
-              <a:solidFill>
-                <a:schemeClr val="tx1"/>
-              </a:solidFill>
-              <a:round/>
-            </a:ln>
-          </p:spPr>
-          <p:style>
-            <a:lnRef idx="2">
-              <a:schemeClr val="accent1">
-                <a:shade val="50000"/>
-              </a:schemeClr>
-            </a:lnRef>
-            <a:fillRef idx="1">
-              <a:schemeClr val="accent1"/>
-            </a:fillRef>
-            <a:effectRef idx="0">
-              <a:schemeClr val="accent1"/>
-            </a:effectRef>
-            <a:fontRef idx="minor">
-              <a:schemeClr val="lt1"/>
-            </a:fontRef>
-          </p:style>
-          <p:txBody>
-            <a:bodyPr rtlCol="0" anchor="ctr"/>
-            <a:lstStyle/>
-            <a:p>
-              <a:pPr algn="ctr"/>
-              <a:endParaRPr lang="en-US" dirty="0"/>
-            </a:p>
-          </p:txBody>
-        </p:sp>
-        <p:sp>
-          <p:nvSpPr>
-            <p:cNvPr id="54" name="Rectangle 53">
-              <a:extLst>
-                <a:ext uri="{FF2B5EF4-FFF2-40B4-BE49-F238E27FC236}">
-                  <a16:creationId xmlns:a16="http://schemas.microsoft.com/office/drawing/2014/main" id="{1C591F7C-8950-6B25-4C86-B822BD66832D}"/>
-                </a:ext>
-              </a:extLst>
-            </p:cNvPr>
-            <p:cNvSpPr/>
-            <p:nvPr/>
-          </p:nvSpPr>
-          <p:spPr>
-            <a:xfrm>
-              <a:off x="1463091" y="2546826"/>
-              <a:ext cx="8169528" cy="86734"/>
-            </a:xfrm>
-            <a:prstGeom prst="rect">
-              <a:avLst/>
-            </a:prstGeom>
-            <a:grpFill/>
-            <a:ln cap="rnd">
-              <a:solidFill>
-                <a:schemeClr val="tx1"/>
-              </a:solidFill>
-              <a:round/>
-            </a:ln>
-          </p:spPr>
-          <p:style>
-            <a:lnRef idx="2">
-              <a:schemeClr val="accent1">
-                <a:shade val="50000"/>
-              </a:schemeClr>
-            </a:lnRef>
-            <a:fillRef idx="1">
-              <a:schemeClr val="accent1"/>
-            </a:fillRef>
-            <a:effectRef idx="0">
-              <a:schemeClr val="accent1"/>
-            </a:effectRef>
-            <a:fontRef idx="minor">
-              <a:schemeClr val="lt1"/>
-            </a:fontRef>
-          </p:style>
-          <p:txBody>
-            <a:bodyPr rtlCol="0" anchor="ctr"/>
-            <a:lstStyle/>
-            <a:p>
-              <a:pPr algn="ctr"/>
-              <a:endParaRPr lang="en-US"/>
-            </a:p>
-          </p:txBody>
-        </p:sp>
-        <p:sp>
-          <p:nvSpPr>
-            <p:cNvPr id="55" name="Rectangle 54">
-              <a:extLst>
-                <a:ext uri="{FF2B5EF4-FFF2-40B4-BE49-F238E27FC236}">
-                  <a16:creationId xmlns:a16="http://schemas.microsoft.com/office/drawing/2014/main" id="{09C3B34A-10F1-F2A8-0A93-628D2DE9EAB4}"/>
-                </a:ext>
-              </a:extLst>
-            </p:cNvPr>
-            <p:cNvSpPr/>
-            <p:nvPr/>
-          </p:nvSpPr>
-          <p:spPr>
-            <a:xfrm>
-              <a:off x="1463091" y="2733731"/>
-              <a:ext cx="6392365" cy="86735"/>
-            </a:xfrm>
-            <a:prstGeom prst="rect">
-              <a:avLst/>
-            </a:prstGeom>
-            <a:grpFill/>
-            <a:ln cap="rnd">
-              <a:solidFill>
-                <a:schemeClr val="tx1"/>
-              </a:solidFill>
-              <a:round/>
-            </a:ln>
-          </p:spPr>
-          <p:style>
-            <a:lnRef idx="2">
-              <a:schemeClr val="accent1">
-                <a:shade val="50000"/>
-              </a:schemeClr>
-            </a:lnRef>
-            <a:fillRef idx="1">
-              <a:schemeClr val="accent1"/>
-            </a:fillRef>
-            <a:effectRef idx="0">
-              <a:schemeClr val="accent1"/>
-            </a:effectRef>
-            <a:fontRef idx="minor">
-              <a:schemeClr val="lt1"/>
-            </a:fontRef>
-          </p:style>
-          <p:txBody>
-            <a:bodyPr rtlCol="0" anchor="ctr"/>
-            <a:lstStyle/>
-            <a:p>
-              <a:pPr algn="ctr"/>
-              <a:endParaRPr lang="en-US"/>
-            </a:p>
-          </p:txBody>
-        </p:sp>
-        <p:sp>
-          <p:nvSpPr>
-            <p:cNvPr id="56" name="Rectangle 55">
-              <a:extLst>
-                <a:ext uri="{FF2B5EF4-FFF2-40B4-BE49-F238E27FC236}">
-                  <a16:creationId xmlns:a16="http://schemas.microsoft.com/office/drawing/2014/main" id="{F0192593-A6E9-9BA6-442C-2A0C13D76C93}"/>
-                </a:ext>
-              </a:extLst>
-            </p:cNvPr>
-            <p:cNvSpPr/>
-            <p:nvPr/>
-          </p:nvSpPr>
-          <p:spPr>
-            <a:xfrm>
-              <a:off x="1463091" y="2895259"/>
-              <a:ext cx="8169528" cy="86735"/>
-            </a:xfrm>
-            <a:prstGeom prst="rect">
-              <a:avLst/>
-            </a:prstGeom>
-            <a:grpFill/>
-            <a:ln cap="rnd">
-              <a:solidFill>
-                <a:schemeClr val="tx1"/>
-              </a:solidFill>
-              <a:round/>
-            </a:ln>
-          </p:spPr>
-          <p:style>
-            <a:lnRef idx="2">
-              <a:schemeClr val="accent1">
-                <a:shade val="50000"/>
-              </a:schemeClr>
-            </a:lnRef>
-            <a:fillRef idx="1">
-              <a:schemeClr val="accent1"/>
-            </a:fillRef>
-            <a:effectRef idx="0">
-              <a:schemeClr val="accent1"/>
-            </a:effectRef>
-            <a:fontRef idx="minor">
-              <a:schemeClr val="lt1"/>
-            </a:fontRef>
-          </p:style>
-          <p:txBody>
-            <a:bodyPr rtlCol="0" anchor="ctr"/>
-            <a:lstStyle/>
-            <a:p>
-              <a:pPr algn="ctr"/>
-              <a:endParaRPr lang="en-US"/>
-            </a:p>
-          </p:txBody>
-        </p:sp>
-        <p:sp>
-          <p:nvSpPr>
-            <p:cNvPr id="57" name="Rectangle 56">
-              <a:extLst>
-                <a:ext uri="{FF2B5EF4-FFF2-40B4-BE49-F238E27FC236}">
-                  <a16:creationId xmlns:a16="http://schemas.microsoft.com/office/drawing/2014/main" id="{1A4B97FB-9202-000E-D2A6-EAF121F24E4D}"/>
-                </a:ext>
-              </a:extLst>
-            </p:cNvPr>
-            <p:cNvSpPr/>
-            <p:nvPr/>
-          </p:nvSpPr>
-          <p:spPr>
-            <a:xfrm>
-              <a:off x="1463091" y="3084562"/>
-              <a:ext cx="8169528" cy="86735"/>
-            </a:xfrm>
-            <a:prstGeom prst="rect">
-              <a:avLst/>
-            </a:prstGeom>
-            <a:grpFill/>
-            <a:ln cap="rnd">
-              <a:solidFill>
-                <a:schemeClr val="tx1"/>
-              </a:solidFill>
-              <a:round/>
-            </a:ln>
-          </p:spPr>
-          <p:style>
-            <a:lnRef idx="2">
-              <a:schemeClr val="accent1">
-                <a:shade val="50000"/>
-              </a:schemeClr>
-            </a:lnRef>
-            <a:fillRef idx="1">
-              <a:schemeClr val="accent1"/>
-            </a:fillRef>
-            <a:effectRef idx="0">
-              <a:schemeClr val="accent1"/>
-            </a:effectRef>
-            <a:fontRef idx="minor">
-              <a:schemeClr val="lt1"/>
-            </a:fontRef>
-          </p:style>
-          <p:txBody>
-            <a:bodyPr rtlCol="0" anchor="ctr"/>
-            <a:lstStyle/>
-            <a:p>
-              <a:pPr algn="ctr"/>
-              <a:endParaRPr lang="en-US"/>
-            </a:p>
-          </p:txBody>
-        </p:sp>
-        <p:sp>
-          <p:nvSpPr>
-            <p:cNvPr id="58" name="Rectangle 57">
-              <a:extLst>
-                <a:ext uri="{FF2B5EF4-FFF2-40B4-BE49-F238E27FC236}">
-                  <a16:creationId xmlns:a16="http://schemas.microsoft.com/office/drawing/2014/main" id="{A11D3913-F02D-E197-69A5-66D49B3671C6}"/>
-                </a:ext>
-              </a:extLst>
-            </p:cNvPr>
-            <p:cNvSpPr/>
-            <p:nvPr/>
-          </p:nvSpPr>
-          <p:spPr>
-            <a:xfrm>
-              <a:off x="1463091" y="3244901"/>
-              <a:ext cx="8169528" cy="86735"/>
-            </a:xfrm>
-            <a:prstGeom prst="rect">
-              <a:avLst/>
-            </a:prstGeom>
-            <a:grpFill/>
-            <a:ln cap="rnd">
-              <a:solidFill>
-                <a:schemeClr val="tx1"/>
-              </a:solidFill>
-              <a:round/>
-            </a:ln>
-          </p:spPr>
-          <p:style>
-            <a:lnRef idx="2">
-              <a:schemeClr val="accent1">
-                <a:shade val="50000"/>
-              </a:schemeClr>
-            </a:lnRef>
-            <a:fillRef idx="1">
-              <a:schemeClr val="accent1"/>
-            </a:fillRef>
-            <a:effectRef idx="0">
-              <a:schemeClr val="accent1"/>
-            </a:effectRef>
-            <a:fontRef idx="minor">
-              <a:schemeClr val="lt1"/>
-            </a:fontRef>
-          </p:style>
-          <p:txBody>
-            <a:bodyPr rtlCol="0" anchor="ctr"/>
-            <a:lstStyle/>
-            <a:p>
-              <a:pPr algn="ctr"/>
-              <a:endParaRPr lang="en-US"/>
-            </a:p>
-          </p:txBody>
-        </p:sp>
-        <p:sp>
-          <p:nvSpPr>
-            <p:cNvPr id="60" name="Rectangle 59">
-              <a:extLst>
-                <a:ext uri="{FF2B5EF4-FFF2-40B4-BE49-F238E27FC236}">
-                  <a16:creationId xmlns:a16="http://schemas.microsoft.com/office/drawing/2014/main" id="{CD4703AF-CCD7-53D0-5425-280C35A6111E}"/>
-                </a:ext>
-              </a:extLst>
-            </p:cNvPr>
-            <p:cNvSpPr/>
-            <p:nvPr/>
-          </p:nvSpPr>
-          <p:spPr>
-            <a:xfrm>
-              <a:off x="1463091" y="3637906"/>
-              <a:ext cx="8169528" cy="86735"/>
-            </a:xfrm>
-            <a:prstGeom prst="rect">
-              <a:avLst/>
-            </a:prstGeom>
-            <a:grpFill/>
-            <a:ln cap="rnd">
-              <a:solidFill>
-                <a:schemeClr val="tx1"/>
-              </a:solidFill>
-              <a:round/>
-            </a:ln>
-          </p:spPr>
-          <p:style>
-            <a:lnRef idx="2">
-              <a:schemeClr val="accent1">
-                <a:shade val="50000"/>
-              </a:schemeClr>
-            </a:lnRef>
-            <a:fillRef idx="1">
-              <a:schemeClr val="accent1"/>
-            </a:fillRef>
-            <a:effectRef idx="0">
-              <a:schemeClr val="accent1"/>
-            </a:effectRef>
-            <a:fontRef idx="minor">
-              <a:schemeClr val="lt1"/>
-            </a:fontRef>
-          </p:style>
-          <p:txBody>
-            <a:bodyPr rtlCol="0" anchor="ctr"/>
-            <a:lstStyle/>
-            <a:p>
-              <a:pPr algn="ctr"/>
-              <a:endParaRPr lang="en-US"/>
-            </a:p>
-          </p:txBody>
-        </p:sp>
-      </p:grpSp>
-      <p:grpSp>
-        <p:nvGrpSpPr>
-          <p:cNvPr id="61" name="Group 60">
-            <a:extLst>
-              <a:ext uri="{FF2B5EF4-FFF2-40B4-BE49-F238E27FC236}">
-                <a16:creationId xmlns:a16="http://schemas.microsoft.com/office/drawing/2014/main" id="{59B69AC9-8C22-B315-8DF8-7DA729AC61A8}"/>
-              </a:ext>
-            </a:extLst>
-          </p:cNvPr>
-          <p:cNvGrpSpPr/>
-          <p:nvPr/>
-        </p:nvGrpSpPr>
-        <p:grpSpPr>
-          <a:xfrm>
-            <a:off x="8284191" y="1699899"/>
-            <a:ext cx="835096" cy="1360108"/>
-            <a:chOff x="1463091" y="2364533"/>
-            <a:chExt cx="8169528" cy="1360108"/>
-          </a:xfrm>
-          <a:solidFill>
-            <a:srgbClr val="FFECB4"/>
-          </a:solidFill>
-        </p:grpSpPr>
-        <p:sp>
-          <p:nvSpPr>
-            <p:cNvPr id="62" name="Rectangle 61">
-              <a:extLst>
-                <a:ext uri="{FF2B5EF4-FFF2-40B4-BE49-F238E27FC236}">
-                  <a16:creationId xmlns:a16="http://schemas.microsoft.com/office/drawing/2014/main" id="{8C92A0F8-143D-2BD0-A422-C90AF3DF408F}"/>
-                </a:ext>
-              </a:extLst>
-            </p:cNvPr>
-            <p:cNvSpPr/>
-            <p:nvPr/>
-          </p:nvSpPr>
-          <p:spPr>
-            <a:xfrm>
-              <a:off x="1463091" y="2364533"/>
-              <a:ext cx="8169528" cy="96832"/>
-            </a:xfrm>
-            <a:prstGeom prst="rect">
-              <a:avLst/>
-            </a:prstGeom>
-            <a:grpFill/>
-            <a:ln cap="rnd">
-              <a:solidFill>
-                <a:schemeClr val="tx1"/>
-              </a:solidFill>
-              <a:round/>
-            </a:ln>
-          </p:spPr>
-          <p:style>
-            <a:lnRef idx="2">
-              <a:schemeClr val="accent1">
-                <a:shade val="50000"/>
-              </a:schemeClr>
-            </a:lnRef>
-            <a:fillRef idx="1">
-              <a:schemeClr val="accent1"/>
-            </a:fillRef>
-            <a:effectRef idx="0">
-              <a:schemeClr val="accent1"/>
-            </a:effectRef>
-            <a:fontRef idx="minor">
-              <a:schemeClr val="lt1"/>
-            </a:fontRef>
-          </p:style>
-          <p:txBody>
-            <a:bodyPr rtlCol="0" anchor="ctr"/>
-            <a:lstStyle/>
-            <a:p>
-              <a:pPr algn="ctr"/>
-              <a:endParaRPr lang="en-US" dirty="0"/>
-            </a:p>
-          </p:txBody>
-        </p:sp>
-        <p:sp>
-          <p:nvSpPr>
-            <p:cNvPr id="63" name="Rectangle 62">
-              <a:extLst>
-                <a:ext uri="{FF2B5EF4-FFF2-40B4-BE49-F238E27FC236}">
-                  <a16:creationId xmlns:a16="http://schemas.microsoft.com/office/drawing/2014/main" id="{6A9FB108-A9C5-5D7D-4E4A-510E237FD418}"/>
-                </a:ext>
-              </a:extLst>
-            </p:cNvPr>
-            <p:cNvSpPr/>
-            <p:nvPr/>
-          </p:nvSpPr>
-          <p:spPr>
-            <a:xfrm>
-              <a:off x="1463091" y="2546826"/>
-              <a:ext cx="6960694" cy="96832"/>
-            </a:xfrm>
-            <a:prstGeom prst="rect">
-              <a:avLst/>
-            </a:prstGeom>
-            <a:grpFill/>
-            <a:ln cap="rnd">
-              <a:solidFill>
-                <a:schemeClr val="tx1"/>
-              </a:solidFill>
-              <a:round/>
-            </a:ln>
-          </p:spPr>
-          <p:style>
-            <a:lnRef idx="2">
-              <a:schemeClr val="accent1">
-                <a:shade val="50000"/>
-              </a:schemeClr>
-            </a:lnRef>
-            <a:fillRef idx="1">
-              <a:schemeClr val="accent1"/>
-            </a:fillRef>
-            <a:effectRef idx="0">
-              <a:schemeClr val="accent1"/>
-            </a:effectRef>
-            <a:fontRef idx="minor">
-              <a:schemeClr val="lt1"/>
-            </a:fontRef>
-          </p:style>
-          <p:txBody>
-            <a:bodyPr rtlCol="0" anchor="ctr"/>
-            <a:lstStyle/>
-            <a:p>
-              <a:pPr algn="ctr"/>
-              <a:endParaRPr lang="en-US"/>
-            </a:p>
-          </p:txBody>
-        </p:sp>
-        <p:sp>
-          <p:nvSpPr>
-            <p:cNvPr id="64" name="Rectangle 63">
-              <a:extLst>
-                <a:ext uri="{FF2B5EF4-FFF2-40B4-BE49-F238E27FC236}">
-                  <a16:creationId xmlns:a16="http://schemas.microsoft.com/office/drawing/2014/main" id="{A60B4B36-4B49-CC01-A7F9-FB219BB82C4E}"/>
-                </a:ext>
-              </a:extLst>
-            </p:cNvPr>
-            <p:cNvSpPr/>
-            <p:nvPr/>
-          </p:nvSpPr>
-          <p:spPr>
-            <a:xfrm>
-              <a:off x="1463091" y="2733731"/>
-              <a:ext cx="6960694" cy="96832"/>
-            </a:xfrm>
-            <a:prstGeom prst="rect">
-              <a:avLst/>
-            </a:prstGeom>
-            <a:grpFill/>
-            <a:ln cap="rnd">
-              <a:solidFill>
-                <a:schemeClr val="tx1"/>
-              </a:solidFill>
-              <a:round/>
-            </a:ln>
-          </p:spPr>
-          <p:style>
-            <a:lnRef idx="2">
-              <a:schemeClr val="accent1">
-                <a:shade val="50000"/>
-              </a:schemeClr>
-            </a:lnRef>
-            <a:fillRef idx="1">
-              <a:schemeClr val="accent1"/>
-            </a:fillRef>
-            <a:effectRef idx="0">
-              <a:schemeClr val="accent1"/>
-            </a:effectRef>
-            <a:fontRef idx="minor">
-              <a:schemeClr val="lt1"/>
-            </a:fontRef>
-          </p:style>
-          <p:txBody>
-            <a:bodyPr rtlCol="0" anchor="ctr"/>
-            <a:lstStyle/>
-            <a:p>
-              <a:pPr algn="ctr"/>
-              <a:endParaRPr lang="en-US"/>
-            </a:p>
-          </p:txBody>
-        </p:sp>
-        <p:sp>
-          <p:nvSpPr>
-            <p:cNvPr id="65" name="Rectangle 64">
-              <a:extLst>
-                <a:ext uri="{FF2B5EF4-FFF2-40B4-BE49-F238E27FC236}">
-                  <a16:creationId xmlns:a16="http://schemas.microsoft.com/office/drawing/2014/main" id="{9C41AD4A-3D45-F305-DED5-6C7AF90FA8F1}"/>
-                </a:ext>
-              </a:extLst>
-            </p:cNvPr>
-            <p:cNvSpPr/>
-            <p:nvPr/>
-          </p:nvSpPr>
-          <p:spPr>
-            <a:xfrm>
-              <a:off x="1463091" y="2895259"/>
-              <a:ext cx="8169528" cy="86735"/>
-            </a:xfrm>
-            <a:prstGeom prst="rect">
-              <a:avLst/>
-            </a:prstGeom>
-            <a:grpFill/>
-            <a:ln cap="rnd">
-              <a:solidFill>
-                <a:schemeClr val="tx1"/>
-              </a:solidFill>
-              <a:round/>
-            </a:ln>
-          </p:spPr>
-          <p:style>
-            <a:lnRef idx="2">
-              <a:schemeClr val="accent1">
-                <a:shade val="50000"/>
-              </a:schemeClr>
-            </a:lnRef>
-            <a:fillRef idx="1">
-              <a:schemeClr val="accent1"/>
-            </a:fillRef>
-            <a:effectRef idx="0">
-              <a:schemeClr val="accent1"/>
-            </a:effectRef>
-            <a:fontRef idx="minor">
-              <a:schemeClr val="lt1"/>
-            </a:fontRef>
-          </p:style>
-          <p:txBody>
-            <a:bodyPr rtlCol="0" anchor="ctr"/>
-            <a:lstStyle/>
-            <a:p>
-              <a:pPr algn="ctr"/>
-              <a:endParaRPr lang="en-US"/>
-            </a:p>
-          </p:txBody>
-        </p:sp>
-        <p:sp>
-          <p:nvSpPr>
-            <p:cNvPr id="66" name="Rectangle 65">
-              <a:extLst>
-                <a:ext uri="{FF2B5EF4-FFF2-40B4-BE49-F238E27FC236}">
-                  <a16:creationId xmlns:a16="http://schemas.microsoft.com/office/drawing/2014/main" id="{01F0AD1C-7158-6FFF-977D-FEBE9D89C7E8}"/>
-                </a:ext>
-              </a:extLst>
-            </p:cNvPr>
-            <p:cNvSpPr/>
-            <p:nvPr/>
-          </p:nvSpPr>
-          <p:spPr>
-            <a:xfrm>
-              <a:off x="1463091" y="3084562"/>
-              <a:ext cx="8169528" cy="86735"/>
-            </a:xfrm>
-            <a:prstGeom prst="rect">
-              <a:avLst/>
-            </a:prstGeom>
-            <a:grpFill/>
-            <a:ln cap="rnd">
-              <a:solidFill>
-                <a:schemeClr val="tx1"/>
-              </a:solidFill>
-              <a:round/>
-            </a:ln>
-          </p:spPr>
-          <p:style>
-            <a:lnRef idx="2">
-              <a:schemeClr val="accent1">
-                <a:shade val="50000"/>
-              </a:schemeClr>
-            </a:lnRef>
-            <a:fillRef idx="1">
-              <a:schemeClr val="accent1"/>
-            </a:fillRef>
-            <a:effectRef idx="0">
-              <a:schemeClr val="accent1"/>
-            </a:effectRef>
-            <a:fontRef idx="minor">
-              <a:schemeClr val="lt1"/>
-            </a:fontRef>
-          </p:style>
-          <p:txBody>
-            <a:bodyPr rtlCol="0" anchor="ctr"/>
-            <a:lstStyle/>
-            <a:p>
-              <a:pPr algn="ctr"/>
-              <a:endParaRPr lang="en-US"/>
-            </a:p>
-          </p:txBody>
-        </p:sp>
-        <p:sp>
-          <p:nvSpPr>
-            <p:cNvPr id="67" name="Rectangle 66">
-              <a:extLst>
-                <a:ext uri="{FF2B5EF4-FFF2-40B4-BE49-F238E27FC236}">
-                  <a16:creationId xmlns:a16="http://schemas.microsoft.com/office/drawing/2014/main" id="{B094AC56-CD5D-57B0-37E7-20253FC5BB41}"/>
-                </a:ext>
-              </a:extLst>
-            </p:cNvPr>
-            <p:cNvSpPr/>
-            <p:nvPr/>
-          </p:nvSpPr>
-          <p:spPr>
-            <a:xfrm>
-              <a:off x="3460727" y="3244901"/>
-              <a:ext cx="6171882" cy="86735"/>
-            </a:xfrm>
-            <a:prstGeom prst="rect">
-              <a:avLst/>
-            </a:prstGeom>
-            <a:grpFill/>
-            <a:ln cap="rnd">
-              <a:solidFill>
-                <a:schemeClr val="tx1"/>
-              </a:solidFill>
-              <a:round/>
-            </a:ln>
-          </p:spPr>
-          <p:style>
-            <a:lnRef idx="2">
-              <a:schemeClr val="accent1">
-                <a:shade val="50000"/>
-              </a:schemeClr>
-            </a:lnRef>
-            <a:fillRef idx="1">
-              <a:schemeClr val="accent1"/>
-            </a:fillRef>
-            <a:effectRef idx="0">
-              <a:schemeClr val="accent1"/>
-            </a:effectRef>
-            <a:fontRef idx="minor">
-              <a:schemeClr val="lt1"/>
-            </a:fontRef>
-          </p:style>
-          <p:txBody>
-            <a:bodyPr rtlCol="0" anchor="ctr"/>
-            <a:lstStyle/>
-            <a:p>
-              <a:pPr algn="ctr"/>
-              <a:endParaRPr lang="en-US"/>
-            </a:p>
-          </p:txBody>
-        </p:sp>
-        <p:sp>
-          <p:nvSpPr>
-            <p:cNvPr id="68" name="Rectangle 67">
-              <a:extLst>
-                <a:ext uri="{FF2B5EF4-FFF2-40B4-BE49-F238E27FC236}">
-                  <a16:creationId xmlns:a16="http://schemas.microsoft.com/office/drawing/2014/main" id="{675903ED-7528-6F5D-126E-BA7DDB7B9637}"/>
-                </a:ext>
-              </a:extLst>
-            </p:cNvPr>
-            <p:cNvSpPr/>
-            <p:nvPr/>
-          </p:nvSpPr>
-          <p:spPr>
-            <a:xfrm>
-              <a:off x="1463091" y="3435424"/>
-              <a:ext cx="8169528" cy="86735"/>
-            </a:xfrm>
-            <a:prstGeom prst="rect">
-              <a:avLst/>
-            </a:prstGeom>
-            <a:grpFill/>
-            <a:ln cap="rnd">
-              <a:solidFill>
-                <a:schemeClr val="tx1"/>
-              </a:solidFill>
-              <a:round/>
-            </a:ln>
-          </p:spPr>
-          <p:style>
-            <a:lnRef idx="2">
-              <a:schemeClr val="accent1">
-                <a:shade val="50000"/>
-              </a:schemeClr>
-            </a:lnRef>
-            <a:fillRef idx="1">
-              <a:schemeClr val="accent1"/>
-            </a:fillRef>
-            <a:effectRef idx="0">
-              <a:schemeClr val="accent1"/>
-            </a:effectRef>
-            <a:fontRef idx="minor">
-              <a:schemeClr val="lt1"/>
-            </a:fontRef>
-          </p:style>
-          <p:txBody>
-            <a:bodyPr rtlCol="0" anchor="ctr"/>
-            <a:lstStyle/>
-            <a:p>
-              <a:pPr algn="ctr"/>
-              <a:endParaRPr lang="en-US"/>
-            </a:p>
-          </p:txBody>
-        </p:sp>
-        <p:sp>
-          <p:nvSpPr>
-            <p:cNvPr id="69" name="Rectangle 68">
-              <a:extLst>
-                <a:ext uri="{FF2B5EF4-FFF2-40B4-BE49-F238E27FC236}">
-                  <a16:creationId xmlns:a16="http://schemas.microsoft.com/office/drawing/2014/main" id="{7827EE07-59BE-0699-631A-4EA69F5DF641}"/>
-                </a:ext>
-              </a:extLst>
-            </p:cNvPr>
-            <p:cNvSpPr/>
-            <p:nvPr/>
-          </p:nvSpPr>
-          <p:spPr>
-            <a:xfrm>
-              <a:off x="1463091" y="3637906"/>
-              <a:ext cx="8169528" cy="86735"/>
-            </a:xfrm>
-            <a:prstGeom prst="rect">
-              <a:avLst/>
-            </a:prstGeom>
-            <a:grpFill/>
-            <a:ln cap="rnd">
-              <a:solidFill>
-                <a:schemeClr val="tx1"/>
-              </a:solidFill>
-              <a:round/>
-            </a:ln>
-          </p:spPr>
-          <p:style>
-            <a:lnRef idx="2">
-              <a:schemeClr val="accent1">
-                <a:shade val="50000"/>
-              </a:schemeClr>
-            </a:lnRef>
-            <a:fillRef idx="1">
-              <a:schemeClr val="accent1"/>
-            </a:fillRef>
-            <a:effectRef idx="0">
-              <a:schemeClr val="accent1"/>
-            </a:effectRef>
-            <a:fontRef idx="minor">
-              <a:schemeClr val="lt1"/>
-            </a:fontRef>
-          </p:style>
-          <p:txBody>
-            <a:bodyPr rtlCol="0" anchor="ctr"/>
-            <a:lstStyle/>
-            <a:p>
-              <a:pPr algn="ctr"/>
-              <a:endParaRPr lang="en-US"/>
-            </a:p>
-          </p:txBody>
-        </p:sp>
-      </p:grpSp>
-      <p:grpSp>
-        <p:nvGrpSpPr>
-          <p:cNvPr id="70" name="Group 69">
-            <a:extLst>
-              <a:ext uri="{FF2B5EF4-FFF2-40B4-BE49-F238E27FC236}">
-                <a16:creationId xmlns:a16="http://schemas.microsoft.com/office/drawing/2014/main" id="{BDB6088A-428C-473B-125A-2150CD143BBE}"/>
-              </a:ext>
-            </a:extLst>
-          </p:cNvPr>
-          <p:cNvGrpSpPr/>
-          <p:nvPr/>
-        </p:nvGrpSpPr>
-        <p:grpSpPr>
-          <a:xfrm>
-            <a:off x="9172380" y="1699899"/>
-            <a:ext cx="378214" cy="1360108"/>
-            <a:chOff x="1463091" y="2364533"/>
-            <a:chExt cx="8169528" cy="1360108"/>
-          </a:xfrm>
-          <a:solidFill>
-            <a:srgbClr val="E16B00"/>
-          </a:solidFill>
-        </p:grpSpPr>
-        <p:sp>
-          <p:nvSpPr>
-            <p:cNvPr id="71" name="Rectangle 70">
-              <a:extLst>
-                <a:ext uri="{FF2B5EF4-FFF2-40B4-BE49-F238E27FC236}">
-                  <a16:creationId xmlns:a16="http://schemas.microsoft.com/office/drawing/2014/main" id="{A1BDDADA-F9D5-698F-3A82-ABD095FB3A30}"/>
-                </a:ext>
-              </a:extLst>
-            </p:cNvPr>
-            <p:cNvSpPr/>
-            <p:nvPr/>
-          </p:nvSpPr>
-          <p:spPr>
-            <a:xfrm>
-              <a:off x="1463091" y="2364533"/>
-              <a:ext cx="8169528" cy="96832"/>
-            </a:xfrm>
-            <a:prstGeom prst="rect">
-              <a:avLst/>
-            </a:prstGeom>
-            <a:grpFill/>
-            <a:ln cap="rnd">
-              <a:solidFill>
-                <a:schemeClr val="tx1"/>
-              </a:solidFill>
-              <a:round/>
-            </a:ln>
-          </p:spPr>
-          <p:style>
-            <a:lnRef idx="2">
-              <a:schemeClr val="accent1">
-                <a:shade val="50000"/>
-              </a:schemeClr>
-            </a:lnRef>
-            <a:fillRef idx="1">
-              <a:schemeClr val="accent1"/>
-            </a:fillRef>
-            <a:effectRef idx="0">
-              <a:schemeClr val="accent1"/>
-            </a:effectRef>
-            <a:fontRef idx="minor">
-              <a:schemeClr val="lt1"/>
-            </a:fontRef>
-          </p:style>
-          <p:txBody>
-            <a:bodyPr rtlCol="0" anchor="ctr"/>
-            <a:lstStyle/>
-            <a:p>
-              <a:pPr algn="ctr"/>
-              <a:endParaRPr lang="en-US" dirty="0"/>
-            </a:p>
-          </p:txBody>
-        </p:sp>
-        <p:sp>
-          <p:nvSpPr>
-            <p:cNvPr id="72" name="Rectangle 71">
-              <a:extLst>
-                <a:ext uri="{FF2B5EF4-FFF2-40B4-BE49-F238E27FC236}">
-                  <a16:creationId xmlns:a16="http://schemas.microsoft.com/office/drawing/2014/main" id="{B6F3E52E-389D-5060-1D9B-CA6E0298569C}"/>
-                </a:ext>
-              </a:extLst>
-            </p:cNvPr>
-            <p:cNvSpPr/>
-            <p:nvPr/>
-          </p:nvSpPr>
-          <p:spPr>
-            <a:xfrm>
-              <a:off x="1463091" y="2546826"/>
-              <a:ext cx="2492543" cy="96832"/>
-            </a:xfrm>
-            <a:prstGeom prst="rect">
-              <a:avLst/>
-            </a:prstGeom>
-            <a:grpFill/>
-            <a:ln cap="rnd">
-              <a:solidFill>
-                <a:schemeClr val="tx1"/>
-              </a:solidFill>
-              <a:round/>
-            </a:ln>
-          </p:spPr>
-          <p:style>
-            <a:lnRef idx="2">
-              <a:schemeClr val="accent1">
-                <a:shade val="50000"/>
-              </a:schemeClr>
-            </a:lnRef>
-            <a:fillRef idx="1">
-              <a:schemeClr val="accent1"/>
-            </a:fillRef>
-            <a:effectRef idx="0">
-              <a:schemeClr val="accent1"/>
-            </a:effectRef>
-            <a:fontRef idx="minor">
-              <a:schemeClr val="lt1"/>
-            </a:fontRef>
-          </p:style>
-          <p:txBody>
-            <a:bodyPr rtlCol="0" anchor="ctr"/>
-            <a:lstStyle/>
-            <a:p>
-              <a:pPr algn="ctr"/>
-              <a:endParaRPr lang="en-US"/>
-            </a:p>
-          </p:txBody>
-        </p:sp>
-        <p:sp>
-          <p:nvSpPr>
-            <p:cNvPr id="73" name="Rectangle 72">
-              <a:extLst>
-                <a:ext uri="{FF2B5EF4-FFF2-40B4-BE49-F238E27FC236}">
-                  <a16:creationId xmlns:a16="http://schemas.microsoft.com/office/drawing/2014/main" id="{DBDE8EC3-5C44-ACA2-F3E0-0D9C805F3590}"/>
-                </a:ext>
-              </a:extLst>
-            </p:cNvPr>
-            <p:cNvSpPr/>
-            <p:nvPr/>
-          </p:nvSpPr>
-          <p:spPr>
-            <a:xfrm>
-              <a:off x="1463091" y="2733731"/>
-              <a:ext cx="8169528" cy="86735"/>
-            </a:xfrm>
-            <a:prstGeom prst="rect">
-              <a:avLst/>
-            </a:prstGeom>
-            <a:grpFill/>
-            <a:ln cap="rnd">
-              <a:solidFill>
-                <a:schemeClr val="tx1"/>
-              </a:solidFill>
-              <a:round/>
-            </a:ln>
-          </p:spPr>
-          <p:style>
-            <a:lnRef idx="2">
-              <a:schemeClr val="accent1">
-                <a:shade val="50000"/>
-              </a:schemeClr>
-            </a:lnRef>
-            <a:fillRef idx="1">
-              <a:schemeClr val="accent1"/>
-            </a:fillRef>
-            <a:effectRef idx="0">
-              <a:schemeClr val="accent1"/>
-            </a:effectRef>
-            <a:fontRef idx="minor">
-              <a:schemeClr val="lt1"/>
-            </a:fontRef>
-          </p:style>
-          <p:txBody>
-            <a:bodyPr rtlCol="0" anchor="ctr"/>
-            <a:lstStyle/>
-            <a:p>
-              <a:pPr algn="ctr"/>
-              <a:endParaRPr lang="en-US"/>
-            </a:p>
-          </p:txBody>
-        </p:sp>
-        <p:sp>
-          <p:nvSpPr>
-            <p:cNvPr id="74" name="Rectangle 73">
-              <a:extLst>
-                <a:ext uri="{FF2B5EF4-FFF2-40B4-BE49-F238E27FC236}">
-                  <a16:creationId xmlns:a16="http://schemas.microsoft.com/office/drawing/2014/main" id="{2A7DB89A-1461-AC64-F11D-58BB6B8F947F}"/>
-                </a:ext>
-              </a:extLst>
-            </p:cNvPr>
-            <p:cNvSpPr/>
-            <p:nvPr/>
-          </p:nvSpPr>
-          <p:spPr>
-            <a:xfrm>
-              <a:off x="1463091" y="2895259"/>
-              <a:ext cx="8169528" cy="86735"/>
-            </a:xfrm>
-            <a:prstGeom prst="rect">
-              <a:avLst/>
-            </a:prstGeom>
-            <a:grpFill/>
-            <a:ln cap="rnd">
-              <a:solidFill>
-                <a:schemeClr val="tx1"/>
-              </a:solidFill>
-              <a:round/>
-            </a:ln>
-          </p:spPr>
-          <p:style>
-            <a:lnRef idx="2">
-              <a:schemeClr val="accent1">
-                <a:shade val="50000"/>
-              </a:schemeClr>
-            </a:lnRef>
-            <a:fillRef idx="1">
-              <a:schemeClr val="accent1"/>
-            </a:fillRef>
-            <a:effectRef idx="0">
-              <a:schemeClr val="accent1"/>
-            </a:effectRef>
-            <a:fontRef idx="minor">
-              <a:schemeClr val="lt1"/>
-            </a:fontRef>
-          </p:style>
-          <p:txBody>
-            <a:bodyPr rtlCol="0" anchor="ctr"/>
-            <a:lstStyle/>
-            <a:p>
-              <a:pPr algn="ctr"/>
-              <a:endParaRPr lang="en-US"/>
-            </a:p>
-          </p:txBody>
-        </p:sp>
-        <p:sp>
-          <p:nvSpPr>
-            <p:cNvPr id="75" name="Rectangle 74">
-              <a:extLst>
-                <a:ext uri="{FF2B5EF4-FFF2-40B4-BE49-F238E27FC236}">
-                  <a16:creationId xmlns:a16="http://schemas.microsoft.com/office/drawing/2014/main" id="{E6015827-3C42-DF7E-69DB-6F5EE4FC956E}"/>
-                </a:ext>
-              </a:extLst>
-            </p:cNvPr>
-            <p:cNvSpPr/>
-            <p:nvPr/>
-          </p:nvSpPr>
-          <p:spPr>
-            <a:xfrm>
-              <a:off x="1463091" y="3084562"/>
-              <a:ext cx="8169528" cy="86735"/>
-            </a:xfrm>
-            <a:prstGeom prst="rect">
-              <a:avLst/>
-            </a:prstGeom>
-            <a:grpFill/>
-            <a:ln cap="rnd">
-              <a:solidFill>
-                <a:schemeClr val="tx1"/>
-              </a:solidFill>
-              <a:round/>
-            </a:ln>
-          </p:spPr>
-          <p:style>
-            <a:lnRef idx="2">
-              <a:schemeClr val="accent1">
-                <a:shade val="50000"/>
-              </a:schemeClr>
-            </a:lnRef>
-            <a:fillRef idx="1">
-              <a:schemeClr val="accent1"/>
-            </a:fillRef>
-            <a:effectRef idx="0">
-              <a:schemeClr val="accent1"/>
-            </a:effectRef>
-            <a:fontRef idx="minor">
-              <a:schemeClr val="lt1"/>
-            </a:fontRef>
-          </p:style>
-          <p:txBody>
-            <a:bodyPr rtlCol="0" anchor="ctr"/>
-            <a:lstStyle/>
-            <a:p>
-              <a:pPr algn="ctr"/>
-              <a:endParaRPr lang="en-US"/>
-            </a:p>
-          </p:txBody>
-        </p:sp>
-        <p:sp>
-          <p:nvSpPr>
-            <p:cNvPr id="76" name="Rectangle 75">
-              <a:extLst>
-                <a:ext uri="{FF2B5EF4-FFF2-40B4-BE49-F238E27FC236}">
-                  <a16:creationId xmlns:a16="http://schemas.microsoft.com/office/drawing/2014/main" id="{45BA4411-123D-3E8E-0BEB-72DC5096E544}"/>
-                </a:ext>
-              </a:extLst>
-            </p:cNvPr>
-            <p:cNvSpPr/>
-            <p:nvPr/>
-          </p:nvSpPr>
-          <p:spPr>
-            <a:xfrm>
-              <a:off x="3955634" y="3244901"/>
-              <a:ext cx="5676985" cy="86735"/>
-            </a:xfrm>
-            <a:prstGeom prst="rect">
-              <a:avLst/>
-            </a:prstGeom>
-            <a:grpFill/>
-            <a:ln cap="rnd">
-              <a:solidFill>
-                <a:schemeClr val="tx1"/>
-              </a:solidFill>
-              <a:round/>
-            </a:ln>
-          </p:spPr>
-          <p:style>
-            <a:lnRef idx="2">
-              <a:schemeClr val="accent1">
-                <a:shade val="50000"/>
-              </a:schemeClr>
-            </a:lnRef>
-            <a:fillRef idx="1">
-              <a:schemeClr val="accent1"/>
-            </a:fillRef>
-            <a:effectRef idx="0">
-              <a:schemeClr val="accent1"/>
-            </a:effectRef>
-            <a:fontRef idx="minor">
-              <a:schemeClr val="lt1"/>
-            </a:fontRef>
-          </p:style>
-          <p:txBody>
-            <a:bodyPr rtlCol="0" anchor="ctr"/>
-            <a:lstStyle/>
-            <a:p>
-              <a:pPr algn="ctr"/>
-              <a:endParaRPr lang="en-US"/>
-            </a:p>
-          </p:txBody>
-        </p:sp>
-        <p:sp>
-          <p:nvSpPr>
-            <p:cNvPr id="77" name="Rectangle 76">
-              <a:extLst>
-                <a:ext uri="{FF2B5EF4-FFF2-40B4-BE49-F238E27FC236}">
-                  <a16:creationId xmlns:a16="http://schemas.microsoft.com/office/drawing/2014/main" id="{73E44F6B-37D7-DB2D-31A9-B1E97DFF7228}"/>
-                </a:ext>
-              </a:extLst>
-            </p:cNvPr>
-            <p:cNvSpPr/>
-            <p:nvPr/>
-          </p:nvSpPr>
-          <p:spPr>
-            <a:xfrm>
-              <a:off x="5570514" y="3435424"/>
-              <a:ext cx="4062105" cy="86735"/>
-            </a:xfrm>
-            <a:prstGeom prst="rect">
-              <a:avLst/>
-            </a:prstGeom>
-            <a:grpFill/>
-            <a:ln cap="rnd">
-              <a:solidFill>
-                <a:schemeClr val="tx1"/>
-              </a:solidFill>
-              <a:round/>
-            </a:ln>
-          </p:spPr>
-          <p:style>
-            <a:lnRef idx="2">
-              <a:schemeClr val="accent1">
-                <a:shade val="50000"/>
-              </a:schemeClr>
-            </a:lnRef>
-            <a:fillRef idx="1">
-              <a:schemeClr val="accent1"/>
-            </a:fillRef>
-            <a:effectRef idx="0">
-              <a:schemeClr val="accent1"/>
-            </a:effectRef>
-            <a:fontRef idx="minor">
-              <a:schemeClr val="lt1"/>
-            </a:fontRef>
-          </p:style>
-          <p:txBody>
-            <a:bodyPr rtlCol="0" anchor="ctr"/>
-            <a:lstStyle/>
-            <a:p>
-              <a:pPr algn="ctr"/>
-              <a:endParaRPr lang="en-US"/>
-            </a:p>
-          </p:txBody>
-        </p:sp>
-        <p:sp>
-          <p:nvSpPr>
-            <p:cNvPr id="78" name="Rectangle 77">
-              <a:extLst>
-                <a:ext uri="{FF2B5EF4-FFF2-40B4-BE49-F238E27FC236}">
-                  <a16:creationId xmlns:a16="http://schemas.microsoft.com/office/drawing/2014/main" id="{BAA00B3A-ACDC-2ED1-4D54-D670A4190149}"/>
-                </a:ext>
-              </a:extLst>
-            </p:cNvPr>
-            <p:cNvSpPr/>
-            <p:nvPr/>
-          </p:nvSpPr>
-          <p:spPr>
-            <a:xfrm>
-              <a:off x="1463091" y="3637906"/>
-              <a:ext cx="8169528" cy="86735"/>
-            </a:xfrm>
-            <a:prstGeom prst="rect">
-              <a:avLst/>
-            </a:prstGeom>
-            <a:grpFill/>
-            <a:ln cap="rnd">
-              <a:solidFill>
-                <a:schemeClr val="tx1"/>
-              </a:solidFill>
-              <a:round/>
-            </a:ln>
-          </p:spPr>
-          <p:style>
-            <a:lnRef idx="2">
-              <a:schemeClr val="accent1">
-                <a:shade val="50000"/>
-              </a:schemeClr>
-            </a:lnRef>
-            <a:fillRef idx="1">
-              <a:schemeClr val="accent1"/>
-            </a:fillRef>
-            <a:effectRef idx="0">
-              <a:schemeClr val="accent1"/>
-            </a:effectRef>
-            <a:fontRef idx="minor">
-              <a:schemeClr val="lt1"/>
-            </a:fontRef>
-          </p:style>
-          <p:txBody>
-            <a:bodyPr rtlCol="0" anchor="ctr"/>
-            <a:lstStyle/>
-            <a:p>
-              <a:pPr algn="ctr"/>
-              <a:endParaRPr lang="en-US"/>
-            </a:p>
-          </p:txBody>
-        </p:sp>
-      </p:grpSp>
-      <p:grpSp>
-        <p:nvGrpSpPr>
-          <p:cNvPr id="79" name="Group 78">
-            <a:extLst>
-              <a:ext uri="{FF2B5EF4-FFF2-40B4-BE49-F238E27FC236}">
-                <a16:creationId xmlns:a16="http://schemas.microsoft.com/office/drawing/2014/main" id="{F5E1833F-F230-BA9C-90F5-E934125646FF}"/>
-              </a:ext>
-            </a:extLst>
-          </p:cNvPr>
-          <p:cNvGrpSpPr/>
-          <p:nvPr/>
-        </p:nvGrpSpPr>
-        <p:grpSpPr>
-          <a:xfrm>
-            <a:off x="9603687" y="1699899"/>
-            <a:ext cx="378214" cy="1360108"/>
-            <a:chOff x="1463091" y="2364533"/>
-            <a:chExt cx="8169528" cy="1360108"/>
-          </a:xfrm>
-          <a:solidFill>
-            <a:srgbClr val="FFAF2D"/>
-          </a:solidFill>
-        </p:grpSpPr>
-        <p:sp>
-          <p:nvSpPr>
-            <p:cNvPr id="80" name="Rectangle 79">
-              <a:extLst>
-                <a:ext uri="{FF2B5EF4-FFF2-40B4-BE49-F238E27FC236}">
-                  <a16:creationId xmlns:a16="http://schemas.microsoft.com/office/drawing/2014/main" id="{9D71C226-1B37-2A79-0F5B-5D3FAAD86683}"/>
-                </a:ext>
-              </a:extLst>
-            </p:cNvPr>
-            <p:cNvSpPr/>
-            <p:nvPr/>
-          </p:nvSpPr>
-          <p:spPr>
-            <a:xfrm>
-              <a:off x="3334798" y="2364533"/>
-              <a:ext cx="6297799" cy="96832"/>
-            </a:xfrm>
-            <a:prstGeom prst="rect">
-              <a:avLst/>
-            </a:prstGeom>
-            <a:grpFill/>
-            <a:ln cap="rnd">
-              <a:solidFill>
-                <a:schemeClr val="tx1"/>
-              </a:solidFill>
-              <a:round/>
-            </a:ln>
-          </p:spPr>
-          <p:style>
-            <a:lnRef idx="2">
-              <a:schemeClr val="accent1">
-                <a:shade val="50000"/>
-              </a:schemeClr>
-            </a:lnRef>
-            <a:fillRef idx="1">
-              <a:schemeClr val="accent1"/>
-            </a:fillRef>
-            <a:effectRef idx="0">
-              <a:schemeClr val="accent1"/>
-            </a:effectRef>
-            <a:fontRef idx="minor">
-              <a:schemeClr val="lt1"/>
-            </a:fontRef>
-          </p:style>
-          <p:txBody>
-            <a:bodyPr rtlCol="0" anchor="ctr"/>
-            <a:lstStyle/>
-            <a:p>
-              <a:pPr algn="ctr"/>
-              <a:endParaRPr lang="en-US" dirty="0"/>
-            </a:p>
-          </p:txBody>
-        </p:sp>
-        <p:sp>
-          <p:nvSpPr>
-            <p:cNvPr id="81" name="Rectangle 80">
-              <a:extLst>
-                <a:ext uri="{FF2B5EF4-FFF2-40B4-BE49-F238E27FC236}">
-                  <a16:creationId xmlns:a16="http://schemas.microsoft.com/office/drawing/2014/main" id="{91208E15-4BFB-2237-8FB9-CEFFFA7B5B2B}"/>
-                </a:ext>
-              </a:extLst>
-            </p:cNvPr>
-            <p:cNvSpPr/>
-            <p:nvPr/>
-          </p:nvSpPr>
-          <p:spPr>
-            <a:xfrm>
-              <a:off x="1463091" y="2546826"/>
-              <a:ext cx="8169528" cy="86734"/>
-            </a:xfrm>
-            <a:prstGeom prst="rect">
-              <a:avLst/>
-            </a:prstGeom>
-            <a:grpFill/>
-            <a:ln cap="rnd">
-              <a:solidFill>
-                <a:schemeClr val="tx1"/>
-              </a:solidFill>
-              <a:round/>
-            </a:ln>
-          </p:spPr>
-          <p:style>
-            <a:lnRef idx="2">
-              <a:schemeClr val="accent1">
-                <a:shade val="50000"/>
-              </a:schemeClr>
-            </a:lnRef>
-            <a:fillRef idx="1">
-              <a:schemeClr val="accent1"/>
-            </a:fillRef>
-            <a:effectRef idx="0">
-              <a:schemeClr val="accent1"/>
-            </a:effectRef>
-            <a:fontRef idx="minor">
-              <a:schemeClr val="lt1"/>
-            </a:fontRef>
-          </p:style>
-          <p:txBody>
-            <a:bodyPr rtlCol="0" anchor="ctr"/>
-            <a:lstStyle/>
-            <a:p>
-              <a:pPr algn="ctr"/>
-              <a:endParaRPr lang="en-US"/>
-            </a:p>
-          </p:txBody>
-        </p:sp>
-        <p:sp>
-          <p:nvSpPr>
-            <p:cNvPr id="82" name="Rectangle 81">
-              <a:extLst>
-                <a:ext uri="{FF2B5EF4-FFF2-40B4-BE49-F238E27FC236}">
-                  <a16:creationId xmlns:a16="http://schemas.microsoft.com/office/drawing/2014/main" id="{3D798419-F808-9F5F-6E67-7EBD43055A7F}"/>
-                </a:ext>
-              </a:extLst>
-            </p:cNvPr>
-            <p:cNvSpPr/>
-            <p:nvPr/>
-          </p:nvSpPr>
-          <p:spPr>
-            <a:xfrm>
-              <a:off x="1463091" y="2733732"/>
-              <a:ext cx="6964816" cy="86734"/>
-            </a:xfrm>
-            <a:prstGeom prst="rect">
-              <a:avLst/>
-            </a:prstGeom>
-            <a:grpFill/>
-            <a:ln cap="rnd">
-              <a:solidFill>
-                <a:schemeClr val="tx1"/>
-              </a:solidFill>
-              <a:round/>
-            </a:ln>
-          </p:spPr>
-          <p:style>
-            <a:lnRef idx="2">
-              <a:schemeClr val="accent1">
-                <a:shade val="50000"/>
-              </a:schemeClr>
-            </a:lnRef>
-            <a:fillRef idx="1">
-              <a:schemeClr val="accent1"/>
-            </a:fillRef>
-            <a:effectRef idx="0">
-              <a:schemeClr val="accent1"/>
-            </a:effectRef>
-            <a:fontRef idx="minor">
-              <a:schemeClr val="lt1"/>
-            </a:fontRef>
-          </p:style>
-          <p:txBody>
-            <a:bodyPr rtlCol="0" anchor="ctr"/>
-            <a:lstStyle/>
-            <a:p>
-              <a:pPr algn="ctr"/>
-              <a:endParaRPr lang="en-US"/>
-            </a:p>
-          </p:txBody>
-        </p:sp>
-        <p:sp>
-          <p:nvSpPr>
-            <p:cNvPr id="83" name="Rectangle 82">
-              <a:extLst>
-                <a:ext uri="{FF2B5EF4-FFF2-40B4-BE49-F238E27FC236}">
-                  <a16:creationId xmlns:a16="http://schemas.microsoft.com/office/drawing/2014/main" id="{50A33364-8740-BB06-5236-6342EF8DCD9E}"/>
-                </a:ext>
-              </a:extLst>
-            </p:cNvPr>
-            <p:cNvSpPr/>
-            <p:nvPr/>
-          </p:nvSpPr>
-          <p:spPr>
-            <a:xfrm>
-              <a:off x="1463091" y="2895259"/>
-              <a:ext cx="8169528" cy="86735"/>
-            </a:xfrm>
-            <a:prstGeom prst="rect">
-              <a:avLst/>
-            </a:prstGeom>
-            <a:grpFill/>
-            <a:ln cap="rnd">
-              <a:solidFill>
-                <a:schemeClr val="tx1"/>
-              </a:solidFill>
-              <a:round/>
-            </a:ln>
-          </p:spPr>
-          <p:style>
-            <a:lnRef idx="2">
-              <a:schemeClr val="accent1">
-                <a:shade val="50000"/>
-              </a:schemeClr>
-            </a:lnRef>
-            <a:fillRef idx="1">
-              <a:schemeClr val="accent1"/>
-            </a:fillRef>
-            <a:effectRef idx="0">
-              <a:schemeClr val="accent1"/>
-            </a:effectRef>
-            <a:fontRef idx="minor">
-              <a:schemeClr val="lt1"/>
-            </a:fontRef>
-          </p:style>
-          <p:txBody>
-            <a:bodyPr rtlCol="0" anchor="ctr"/>
-            <a:lstStyle/>
-            <a:p>
-              <a:pPr algn="ctr"/>
-              <a:endParaRPr lang="en-US"/>
-            </a:p>
-          </p:txBody>
-        </p:sp>
-        <p:sp>
-          <p:nvSpPr>
-            <p:cNvPr id="84" name="Rectangle 83">
-              <a:extLst>
-                <a:ext uri="{FF2B5EF4-FFF2-40B4-BE49-F238E27FC236}">
-                  <a16:creationId xmlns:a16="http://schemas.microsoft.com/office/drawing/2014/main" id="{F4BF8A5F-7BBF-0C1A-0FEF-18A11231DD5B}"/>
-                </a:ext>
-              </a:extLst>
-            </p:cNvPr>
-            <p:cNvSpPr/>
-            <p:nvPr/>
-          </p:nvSpPr>
-          <p:spPr>
-            <a:xfrm>
-              <a:off x="3334798" y="3084562"/>
-              <a:ext cx="6297821" cy="86735"/>
-            </a:xfrm>
-            <a:prstGeom prst="rect">
-              <a:avLst/>
-            </a:prstGeom>
-            <a:grpFill/>
-            <a:ln cap="rnd">
-              <a:solidFill>
-                <a:schemeClr val="tx1"/>
-              </a:solidFill>
-              <a:round/>
-            </a:ln>
-          </p:spPr>
-          <p:style>
-            <a:lnRef idx="2">
-              <a:schemeClr val="accent1">
-                <a:shade val="50000"/>
-              </a:schemeClr>
-            </a:lnRef>
-            <a:fillRef idx="1">
-              <a:schemeClr val="accent1"/>
-            </a:fillRef>
-            <a:effectRef idx="0">
-              <a:schemeClr val="accent1"/>
-            </a:effectRef>
-            <a:fontRef idx="minor">
-              <a:schemeClr val="lt1"/>
-            </a:fontRef>
-          </p:style>
-          <p:txBody>
-            <a:bodyPr rtlCol="0" anchor="ctr"/>
-            <a:lstStyle/>
-            <a:p>
-              <a:pPr algn="ctr"/>
-              <a:endParaRPr lang="en-US"/>
-            </a:p>
-          </p:txBody>
-        </p:sp>
-        <p:sp>
-          <p:nvSpPr>
-            <p:cNvPr id="85" name="Rectangle 84">
-              <a:extLst>
-                <a:ext uri="{FF2B5EF4-FFF2-40B4-BE49-F238E27FC236}">
-                  <a16:creationId xmlns:a16="http://schemas.microsoft.com/office/drawing/2014/main" id="{2B2F8E97-794C-6427-D2A7-A6D2F180450F}"/>
-                </a:ext>
-              </a:extLst>
-            </p:cNvPr>
-            <p:cNvSpPr/>
-            <p:nvPr/>
-          </p:nvSpPr>
-          <p:spPr>
-            <a:xfrm>
-              <a:off x="1463091" y="3244901"/>
-              <a:ext cx="8169528" cy="86735"/>
-            </a:xfrm>
-            <a:prstGeom prst="rect">
-              <a:avLst/>
-            </a:prstGeom>
-            <a:grpFill/>
-            <a:ln cap="rnd">
-              <a:solidFill>
-                <a:schemeClr val="tx1"/>
-              </a:solidFill>
-              <a:round/>
-            </a:ln>
-          </p:spPr>
-          <p:style>
-            <a:lnRef idx="2">
-              <a:schemeClr val="accent1">
-                <a:shade val="50000"/>
-              </a:schemeClr>
-            </a:lnRef>
-            <a:fillRef idx="1">
-              <a:schemeClr val="accent1"/>
-            </a:fillRef>
-            <a:effectRef idx="0">
-              <a:schemeClr val="accent1"/>
-            </a:effectRef>
-            <a:fontRef idx="minor">
-              <a:schemeClr val="lt1"/>
-            </a:fontRef>
-          </p:style>
-          <p:txBody>
-            <a:bodyPr rtlCol="0" anchor="ctr"/>
-            <a:lstStyle/>
-            <a:p>
-              <a:pPr algn="ctr"/>
-              <a:endParaRPr lang="en-US"/>
-            </a:p>
-          </p:txBody>
-        </p:sp>
-        <p:sp>
-          <p:nvSpPr>
-            <p:cNvPr id="86" name="Rectangle 85">
-              <a:extLst>
-                <a:ext uri="{FF2B5EF4-FFF2-40B4-BE49-F238E27FC236}">
-                  <a16:creationId xmlns:a16="http://schemas.microsoft.com/office/drawing/2014/main" id="{3C2C6799-5E86-0581-0369-D06CA4F2E169}"/>
-                </a:ext>
-              </a:extLst>
-            </p:cNvPr>
-            <p:cNvSpPr/>
-            <p:nvPr/>
-          </p:nvSpPr>
-          <p:spPr>
-            <a:xfrm>
-              <a:off x="1463091" y="3435424"/>
-              <a:ext cx="8169528" cy="86735"/>
-            </a:xfrm>
-            <a:prstGeom prst="rect">
-              <a:avLst/>
-            </a:prstGeom>
-            <a:grpFill/>
-            <a:ln cap="rnd">
-              <a:solidFill>
-                <a:schemeClr val="tx1"/>
-              </a:solidFill>
-              <a:round/>
-            </a:ln>
-          </p:spPr>
-          <p:style>
-            <a:lnRef idx="2">
-              <a:schemeClr val="accent1">
-                <a:shade val="50000"/>
-              </a:schemeClr>
-            </a:lnRef>
-            <a:fillRef idx="1">
-              <a:schemeClr val="accent1"/>
-            </a:fillRef>
-            <a:effectRef idx="0">
-              <a:schemeClr val="accent1"/>
-            </a:effectRef>
-            <a:fontRef idx="minor">
-              <a:schemeClr val="lt1"/>
-            </a:fontRef>
-          </p:style>
-          <p:txBody>
-            <a:bodyPr rtlCol="0" anchor="ctr"/>
-            <a:lstStyle/>
-            <a:p>
-              <a:pPr algn="ctr"/>
-              <a:endParaRPr lang="en-US"/>
-            </a:p>
-          </p:txBody>
-        </p:sp>
-        <p:sp>
-          <p:nvSpPr>
-            <p:cNvPr id="87" name="Rectangle 86">
-              <a:extLst>
-                <a:ext uri="{FF2B5EF4-FFF2-40B4-BE49-F238E27FC236}">
-                  <a16:creationId xmlns:a16="http://schemas.microsoft.com/office/drawing/2014/main" id="{5FE80C04-38F6-621E-8C3E-D23A6E156228}"/>
-                </a:ext>
-              </a:extLst>
-            </p:cNvPr>
-            <p:cNvSpPr/>
-            <p:nvPr/>
-          </p:nvSpPr>
-          <p:spPr>
-            <a:xfrm>
-              <a:off x="1463091" y="3637906"/>
-              <a:ext cx="8169528" cy="86735"/>
-            </a:xfrm>
-            <a:prstGeom prst="rect">
-              <a:avLst/>
-            </a:prstGeom>
-            <a:grpFill/>
-            <a:ln cap="rnd">
-              <a:solidFill>
-                <a:schemeClr val="tx1"/>
-              </a:solidFill>
-              <a:round/>
-            </a:ln>
-          </p:spPr>
-          <p:style>
-            <a:lnRef idx="2">
-              <a:schemeClr val="accent1">
-                <a:shade val="50000"/>
-              </a:schemeClr>
-            </a:lnRef>
-            <a:fillRef idx="1">
-              <a:schemeClr val="accent1"/>
-            </a:fillRef>
-            <a:effectRef idx="0">
-              <a:schemeClr val="accent1"/>
-            </a:effectRef>
-            <a:fontRef idx="minor">
-              <a:schemeClr val="lt1"/>
-            </a:fontRef>
-          </p:style>
-          <p:txBody>
-            <a:bodyPr rtlCol="0" anchor="ctr"/>
-            <a:lstStyle/>
-            <a:p>
-              <a:pPr algn="ctr"/>
-              <a:endParaRPr lang="en-US"/>
-            </a:p>
-          </p:txBody>
-        </p:sp>
-      </p:grpSp>
-      <p:sp>
-        <p:nvSpPr>
-          <p:cNvPr id="88" name="Rectangle 87">
-            <a:extLst>
-              <a:ext uri="{FF2B5EF4-FFF2-40B4-BE49-F238E27FC236}">
-                <a16:creationId xmlns:a16="http://schemas.microsoft.com/office/drawing/2014/main" id="{E5160E6F-E557-519A-2D9C-CEF0FA7D2993}"/>
-              </a:ext>
-            </a:extLst>
-          </p:cNvPr>
-          <p:cNvSpPr/>
-          <p:nvPr/>
-        </p:nvSpPr>
-        <p:spPr>
-          <a:xfrm>
-            <a:off x="7901795" y="2770790"/>
-            <a:ext cx="335318" cy="86735"/>
-          </a:xfrm>
-          <a:prstGeom prst="rect">
-            <a:avLst/>
-          </a:prstGeom>
-          <a:solidFill>
-            <a:srgbClr val="5A3D2B"/>
-          </a:solidFill>
-          <a:ln cap="rnd">
-            <a:solidFill>
-              <a:schemeClr val="tx1"/>
-            </a:solidFill>
-            <a:round/>
-          </a:ln>
-        </p:spPr>
-        <p:style>
-          <a:lnRef idx="2">
-            <a:schemeClr val="accent1">
-              <a:shade val="50000"/>
-            </a:schemeClr>
-          </a:lnRef>
-          <a:fillRef idx="1">
-            <a:schemeClr val="accent1"/>
-          </a:fillRef>
-          <a:effectRef idx="0">
-            <a:schemeClr val="accent1"/>
-          </a:effectRef>
-          <a:fontRef idx="minor">
-            <a:schemeClr val="lt1"/>
-          </a:fontRef>
-        </p:style>
-        <p:txBody>
-          <a:bodyPr rtlCol="0" anchor="ctr"/>
-          <a:lstStyle/>
-          <a:p>
-            <a:pPr algn="ctr"/>
-            <a:endParaRPr lang="en-US"/>
-          </a:p>
-        </p:txBody>
-      </p:sp>
-      <p:sp>
-        <p:nvSpPr>
-          <p:cNvPr id="89" name="TextBox 88">
-            <a:extLst>
-              <a:ext uri="{FF2B5EF4-FFF2-40B4-BE49-F238E27FC236}">
-                <a16:creationId xmlns:a16="http://schemas.microsoft.com/office/drawing/2014/main" id="{BBFD1D71-F8EA-D79C-9802-D78110191204}"/>
-              </a:ext>
-            </a:extLst>
-          </p:cNvPr>
-          <p:cNvSpPr txBox="1"/>
-          <p:nvPr/>
-        </p:nvSpPr>
-        <p:spPr>
-          <a:xfrm>
-            <a:off x="2253641" y="2598342"/>
-            <a:ext cx="4793300" cy="461665"/>
-          </a:xfrm>
-          <a:prstGeom prst="rect">
-            <a:avLst/>
-          </a:prstGeom>
-          <a:noFill/>
-        </p:spPr>
-        <p:txBody>
-          <a:bodyPr wrap="none" rtlCol="0">
-            <a:spAutoFit/>
-          </a:bodyPr>
-          <a:lstStyle/>
-          <a:p>
-            <a:r>
-              <a:rPr lang="en-US" sz="2400" b="1" dirty="0">
-                <a:solidFill>
-                  <a:schemeClr val="bg1">
-                    <a:lumMod val="50000"/>
-                  </a:schemeClr>
-                </a:solidFill>
-                <a:latin typeface="Andale Mono" panose="020B0509000000000004" pitchFamily="49" charset="0"/>
-                <a:cs typeface="Aldhabi" panose="020F0502020204030204" pitchFamily="34" charset="0"/>
-              </a:rPr>
-              <a:t>for phylogenetic datasets</a:t>
-            </a:r>
-          </a:p>
-        </p:txBody>
-      </p:sp>
     </p:spTree>
     <p:extLst>
       <p:ext uri="{BB962C8B-B14F-4D97-AF65-F5344CB8AC3E}">
